--- a/images/theory_analysis/TCP_TIME_WAIT/TCP_TIME_WAIT.pptx
+++ b/images/theory_analysis/TCP_TIME_WAIT/TCP_TIME_WAIT.pptx
@@ -5,15 +5,17 @@
     <p:sldMasterId id="2147483648" r:id="rId1"/>
   </p:sldMasterIdLst>
   <p:notesMasterIdLst>
-    <p:notesMasterId r:id="rId8"/>
+    <p:notesMasterId r:id="rId10"/>
   </p:notesMasterIdLst>
   <p:sldIdLst>
     <p:sldId id="379" r:id="rId2"/>
     <p:sldId id="380" r:id="rId3"/>
-    <p:sldId id="368" r:id="rId4"/>
-    <p:sldId id="382" r:id="rId5"/>
-    <p:sldId id="377" r:id="rId6"/>
-    <p:sldId id="381" r:id="rId7"/>
+    <p:sldId id="384" r:id="rId4"/>
+    <p:sldId id="368" r:id="rId5"/>
+    <p:sldId id="382" r:id="rId6"/>
+    <p:sldId id="385" r:id="rId7"/>
+    <p:sldId id="377" r:id="rId8"/>
+    <p:sldId id="381" r:id="rId9"/>
   </p:sldIdLst>
   <p:sldSz cx="9144000" cy="5143500" type="screen16x9"/>
   <p:notesSz cx="6858000" cy="9144000"/>
@@ -218,7 +220,7 @@
           <a:p>
             <a:fld id="{6CD5550B-26C4-49A9-A5BA-636EF7BE6CE9}" type="datetimeFigureOut">
               <a:rPr lang="ko-KR" altLang="en-US" smtClean="0"/>
-              <a:t>2021-03-31</a:t>
+              <a:t>2021-04-04</a:t>
             </a:fld>
             <a:endParaRPr lang="ko-KR" altLang="en-US"/>
           </a:p>
@@ -718,7 +720,7 @@
           <a:p>
             <a:fld id="{BA5DFA43-8D57-47FB-BC46-057616015C3B}" type="slidenum">
               <a:rPr lang="ko-KR" altLang="en-US" smtClean="0"/>
-              <a:t>5</a:t>
+              <a:t>3</a:t>
             </a:fld>
             <a:endParaRPr lang="ko-KR" altLang="en-US"/>
           </a:p>
@@ -727,7 +729,7 @@
     </p:spTree>
     <p:extLst>
       <p:ext uri="{BB962C8B-B14F-4D97-AF65-F5344CB8AC3E}">
-        <p14:creationId xmlns:p14="http://schemas.microsoft.com/office/powerpoint/2010/main" val="3245398073"/>
+        <p14:creationId xmlns:p14="http://schemas.microsoft.com/office/powerpoint/2010/main" val="1038715689"/>
       </p:ext>
     </p:extLst>
   </p:cSld>
@@ -803,6 +805,174 @@
             <a:fld id="{BA5DFA43-8D57-47FB-BC46-057616015C3B}" type="slidenum">
               <a:rPr lang="ko-KR" altLang="en-US" smtClean="0"/>
               <a:t>6</a:t>
+            </a:fld>
+            <a:endParaRPr lang="ko-KR" altLang="en-US"/>
+          </a:p>
+        </p:txBody>
+      </p:sp>
+    </p:spTree>
+    <p:extLst>
+      <p:ext uri="{BB962C8B-B14F-4D97-AF65-F5344CB8AC3E}">
+        <p14:creationId xmlns:p14="http://schemas.microsoft.com/office/powerpoint/2010/main" val="1308924100"/>
+      </p:ext>
+    </p:extLst>
+  </p:cSld>
+  <p:clrMapOvr>
+    <a:masterClrMapping/>
+  </p:clrMapOvr>
+</p:notes>
+</file>
+
+<file path=ppt/notesSlides/notesSlide5.xml><?xml version="1.0" encoding="utf-8"?>
+<p:notes xmlns:a="http://schemas.openxmlformats.org/drawingml/2006/main" xmlns:r="http://schemas.openxmlformats.org/officeDocument/2006/relationships" xmlns:p="http://schemas.openxmlformats.org/presentationml/2006/main">
+  <p:cSld>
+    <p:spTree>
+      <p:nvGrpSpPr>
+        <p:cNvPr id="1" name=""/>
+        <p:cNvGrpSpPr/>
+        <p:nvPr/>
+      </p:nvGrpSpPr>
+      <p:grpSpPr>
+        <a:xfrm>
+          <a:off x="0" y="0"/>
+          <a:ext cx="0" cy="0"/>
+          <a:chOff x="0" y="0"/>
+          <a:chExt cx="0" cy="0"/>
+        </a:xfrm>
+      </p:grpSpPr>
+      <p:sp>
+        <p:nvSpPr>
+          <p:cNvPr id="2" name="슬라이드 이미지 개체 틀 1"/>
+          <p:cNvSpPr>
+            <a:spLocks noGrp="1" noRot="1" noChangeAspect="1"/>
+          </p:cNvSpPr>
+          <p:nvPr>
+            <p:ph type="sldImg"/>
+          </p:nvPr>
+        </p:nvSpPr>
+        <p:spPr/>
+      </p:sp>
+      <p:sp>
+        <p:nvSpPr>
+          <p:cNvPr id="3" name="슬라이드 노트 개체 틀 2"/>
+          <p:cNvSpPr>
+            <a:spLocks noGrp="1"/>
+          </p:cNvSpPr>
+          <p:nvPr>
+            <p:ph type="body" idx="1"/>
+          </p:nvPr>
+        </p:nvSpPr>
+        <p:spPr/>
+        <p:txBody>
+          <a:bodyPr/>
+          <a:lstStyle/>
+          <a:p>
+            <a:endParaRPr lang="ko-KR" altLang="en-US"/>
+          </a:p>
+        </p:txBody>
+      </p:sp>
+      <p:sp>
+        <p:nvSpPr>
+          <p:cNvPr id="4" name="슬라이드 번호 개체 틀 3"/>
+          <p:cNvSpPr>
+            <a:spLocks noGrp="1"/>
+          </p:cNvSpPr>
+          <p:nvPr>
+            <p:ph type="sldNum" sz="quarter" idx="5"/>
+          </p:nvPr>
+        </p:nvSpPr>
+        <p:spPr/>
+        <p:txBody>
+          <a:bodyPr/>
+          <a:lstStyle/>
+          <a:p>
+            <a:fld id="{BA5DFA43-8D57-47FB-BC46-057616015C3B}" type="slidenum">
+              <a:rPr lang="ko-KR" altLang="en-US" smtClean="0"/>
+              <a:t>7</a:t>
+            </a:fld>
+            <a:endParaRPr lang="ko-KR" altLang="en-US"/>
+          </a:p>
+        </p:txBody>
+      </p:sp>
+    </p:spTree>
+    <p:extLst>
+      <p:ext uri="{BB962C8B-B14F-4D97-AF65-F5344CB8AC3E}">
+        <p14:creationId xmlns:p14="http://schemas.microsoft.com/office/powerpoint/2010/main" val="3245398073"/>
+      </p:ext>
+    </p:extLst>
+  </p:cSld>
+  <p:clrMapOvr>
+    <a:masterClrMapping/>
+  </p:clrMapOvr>
+</p:notes>
+</file>
+
+<file path=ppt/notesSlides/notesSlide6.xml><?xml version="1.0" encoding="utf-8"?>
+<p:notes xmlns:a="http://schemas.openxmlformats.org/drawingml/2006/main" xmlns:r="http://schemas.openxmlformats.org/officeDocument/2006/relationships" xmlns:p="http://schemas.openxmlformats.org/presentationml/2006/main">
+  <p:cSld>
+    <p:spTree>
+      <p:nvGrpSpPr>
+        <p:cNvPr id="1" name=""/>
+        <p:cNvGrpSpPr/>
+        <p:nvPr/>
+      </p:nvGrpSpPr>
+      <p:grpSpPr>
+        <a:xfrm>
+          <a:off x="0" y="0"/>
+          <a:ext cx="0" cy="0"/>
+          <a:chOff x="0" y="0"/>
+          <a:chExt cx="0" cy="0"/>
+        </a:xfrm>
+      </p:grpSpPr>
+      <p:sp>
+        <p:nvSpPr>
+          <p:cNvPr id="2" name="슬라이드 이미지 개체 틀 1"/>
+          <p:cNvSpPr>
+            <a:spLocks noGrp="1" noRot="1" noChangeAspect="1"/>
+          </p:cNvSpPr>
+          <p:nvPr>
+            <p:ph type="sldImg"/>
+          </p:nvPr>
+        </p:nvSpPr>
+        <p:spPr/>
+      </p:sp>
+      <p:sp>
+        <p:nvSpPr>
+          <p:cNvPr id="3" name="슬라이드 노트 개체 틀 2"/>
+          <p:cNvSpPr>
+            <a:spLocks noGrp="1"/>
+          </p:cNvSpPr>
+          <p:nvPr>
+            <p:ph type="body" idx="1"/>
+          </p:nvPr>
+        </p:nvSpPr>
+        <p:spPr/>
+        <p:txBody>
+          <a:bodyPr/>
+          <a:lstStyle/>
+          <a:p>
+            <a:endParaRPr lang="ko-KR" altLang="en-US"/>
+          </a:p>
+        </p:txBody>
+      </p:sp>
+      <p:sp>
+        <p:nvSpPr>
+          <p:cNvPr id="4" name="슬라이드 번호 개체 틀 3"/>
+          <p:cNvSpPr>
+            <a:spLocks noGrp="1"/>
+          </p:cNvSpPr>
+          <p:nvPr>
+            <p:ph type="sldNum" sz="quarter" idx="5"/>
+          </p:nvPr>
+        </p:nvSpPr>
+        <p:spPr/>
+        <p:txBody>
+          <a:bodyPr/>
+          <a:lstStyle/>
+          <a:p>
+            <a:fld id="{BA5DFA43-8D57-47FB-BC46-057616015C3B}" type="slidenum">
+              <a:rPr lang="ko-KR" altLang="en-US" smtClean="0"/>
+              <a:t>8</a:t>
             </a:fld>
             <a:endParaRPr lang="ko-KR" altLang="en-US"/>
           </a:p>
@@ -1000,7 +1170,7 @@
           <a:p>
             <a:fld id="{FB30EDBD-1C2D-4C1E-B459-B60219FAB484}" type="datetimeFigureOut">
               <a:rPr lang="ko-KR" altLang="en-US" smtClean="0"/>
-              <a:t>2021-03-31</a:t>
+              <a:t>2021-04-04</a:t>
             </a:fld>
             <a:endParaRPr lang="ko-KR" altLang="en-US"/>
           </a:p>
@@ -1163,7 +1333,7 @@
           <a:p>
             <a:fld id="{FB30EDBD-1C2D-4C1E-B459-B60219FAB484}" type="datetimeFigureOut">
               <a:rPr lang="ko-KR" altLang="en-US" smtClean="0"/>
-              <a:t>2021-03-31</a:t>
+              <a:t>2021-04-04</a:t>
             </a:fld>
             <a:endParaRPr lang="ko-KR" altLang="en-US"/>
           </a:p>
@@ -1336,7 +1506,7 @@
           <a:p>
             <a:fld id="{FB30EDBD-1C2D-4C1E-B459-B60219FAB484}" type="datetimeFigureOut">
               <a:rPr lang="ko-KR" altLang="en-US" smtClean="0"/>
-              <a:t>2021-03-31</a:t>
+              <a:t>2021-04-04</a:t>
             </a:fld>
             <a:endParaRPr lang="ko-KR" altLang="en-US"/>
           </a:p>
@@ -1499,7 +1669,7 @@
           <a:p>
             <a:fld id="{FB30EDBD-1C2D-4C1E-B459-B60219FAB484}" type="datetimeFigureOut">
               <a:rPr lang="ko-KR" altLang="en-US" smtClean="0"/>
-              <a:t>2021-03-31</a:t>
+              <a:t>2021-04-04</a:t>
             </a:fld>
             <a:endParaRPr lang="ko-KR" altLang="en-US"/>
           </a:p>
@@ -1739,7 +1909,7 @@
           <a:p>
             <a:fld id="{FB30EDBD-1C2D-4C1E-B459-B60219FAB484}" type="datetimeFigureOut">
               <a:rPr lang="ko-KR" altLang="en-US" smtClean="0"/>
-              <a:t>2021-03-31</a:t>
+              <a:t>2021-04-04</a:t>
             </a:fld>
             <a:endParaRPr lang="ko-KR" altLang="en-US"/>
           </a:p>
@@ -2019,7 +2189,7 @@
           <a:p>
             <a:fld id="{FB30EDBD-1C2D-4C1E-B459-B60219FAB484}" type="datetimeFigureOut">
               <a:rPr lang="ko-KR" altLang="en-US" smtClean="0"/>
-              <a:t>2021-03-31</a:t>
+              <a:t>2021-04-04</a:t>
             </a:fld>
             <a:endParaRPr lang="ko-KR" altLang="en-US"/>
           </a:p>
@@ -2433,7 +2603,7 @@
           <a:p>
             <a:fld id="{FB30EDBD-1C2D-4C1E-B459-B60219FAB484}" type="datetimeFigureOut">
               <a:rPr lang="ko-KR" altLang="en-US" smtClean="0"/>
-              <a:t>2021-03-31</a:t>
+              <a:t>2021-04-04</a:t>
             </a:fld>
             <a:endParaRPr lang="ko-KR" altLang="en-US"/>
           </a:p>
@@ -2545,7 +2715,7 @@
           <a:p>
             <a:fld id="{FB30EDBD-1C2D-4C1E-B459-B60219FAB484}" type="datetimeFigureOut">
               <a:rPr lang="ko-KR" altLang="en-US" smtClean="0"/>
-              <a:t>2021-03-31</a:t>
+              <a:t>2021-04-04</a:t>
             </a:fld>
             <a:endParaRPr lang="ko-KR" altLang="en-US"/>
           </a:p>
@@ -2635,7 +2805,7 @@
           <a:p>
             <a:fld id="{FB30EDBD-1C2D-4C1E-B459-B60219FAB484}" type="datetimeFigureOut">
               <a:rPr lang="ko-KR" altLang="en-US" smtClean="0"/>
-              <a:t>2021-03-31</a:t>
+              <a:t>2021-04-04</a:t>
             </a:fld>
             <a:endParaRPr lang="ko-KR" altLang="en-US"/>
           </a:p>
@@ -2905,7 +3075,7 @@
           <a:p>
             <a:fld id="{FB30EDBD-1C2D-4C1E-B459-B60219FAB484}" type="datetimeFigureOut">
               <a:rPr lang="ko-KR" altLang="en-US" smtClean="0"/>
-              <a:t>2021-03-31</a:t>
+              <a:t>2021-04-04</a:t>
             </a:fld>
             <a:endParaRPr lang="ko-KR" altLang="en-US"/>
           </a:p>
@@ -3152,7 +3322,7 @@
           <a:p>
             <a:fld id="{FB30EDBD-1C2D-4C1E-B459-B60219FAB484}" type="datetimeFigureOut">
               <a:rPr lang="ko-KR" altLang="en-US" smtClean="0"/>
-              <a:t>2021-03-31</a:t>
+              <a:t>2021-04-04</a:t>
             </a:fld>
             <a:endParaRPr lang="ko-KR" altLang="en-US"/>
           </a:p>
@@ -3358,7 +3528,7 @@
           <a:p>
             <a:fld id="{FB30EDBD-1C2D-4C1E-B459-B60219FAB484}" type="datetimeFigureOut">
               <a:rPr lang="ko-KR" altLang="en-US" smtClean="0"/>
-              <a:t>2021-03-31</a:t>
+              <a:t>2021-04-04</a:t>
             </a:fld>
             <a:endParaRPr lang="ko-KR" altLang="en-US"/>
           </a:p>
@@ -6403,6 +6573,108 @@
           </a:p>
         </p:txBody>
       </p:sp>
+      <p:sp>
+        <p:nvSpPr>
+          <p:cNvPr id="25" name="왼쪽 중괄호 24">
+            <a:extLst>
+              <a:ext uri="{FF2B5EF4-FFF2-40B4-BE49-F238E27FC236}">
+                <a16:creationId xmlns:a16="http://schemas.microsoft.com/office/drawing/2014/main" id="{C447820F-463B-4BFE-8D80-C3A63B5F7103}"/>
+              </a:ext>
+            </a:extLst>
+          </p:cNvPr>
+          <p:cNvSpPr/>
+          <p:nvPr/>
+        </p:nvSpPr>
+        <p:spPr>
+          <a:xfrm>
+            <a:off x="3273801" y="2287979"/>
+            <a:ext cx="148320" cy="435036"/>
+          </a:xfrm>
+          <a:prstGeom prst="leftBrace">
+            <a:avLst/>
+          </a:prstGeom>
+          <a:ln w="12700">
+            <a:solidFill>
+              <a:schemeClr val="tx1"/>
+            </a:solidFill>
+          </a:ln>
+        </p:spPr>
+        <p:style>
+          <a:lnRef idx="1">
+            <a:schemeClr val="accent1"/>
+          </a:lnRef>
+          <a:fillRef idx="0">
+            <a:schemeClr val="accent1"/>
+          </a:fillRef>
+          <a:effectRef idx="0">
+            <a:schemeClr val="accent1"/>
+          </a:effectRef>
+          <a:fontRef idx="minor">
+            <a:schemeClr val="tx1"/>
+          </a:fontRef>
+        </p:style>
+        <p:txBody>
+          <a:bodyPr rtlCol="0" anchor="ctr"/>
+          <a:lstStyle/>
+          <a:p>
+            <a:pPr algn="ctr"/>
+            <a:endParaRPr lang="ko-KR" altLang="en-US"/>
+          </a:p>
+        </p:txBody>
+      </p:sp>
+      <p:sp>
+        <p:nvSpPr>
+          <p:cNvPr id="28" name="사각형: 둥근 모서리 27">
+            <a:extLst>
+              <a:ext uri="{FF2B5EF4-FFF2-40B4-BE49-F238E27FC236}">
+                <a16:creationId xmlns:a16="http://schemas.microsoft.com/office/drawing/2014/main" id="{F1E3D345-5F80-489A-8B1E-65C13D08C63B}"/>
+              </a:ext>
+            </a:extLst>
+          </p:cNvPr>
+          <p:cNvSpPr/>
+          <p:nvPr/>
+        </p:nvSpPr>
+        <p:spPr>
+          <a:xfrm>
+            <a:off x="2272348" y="2384785"/>
+            <a:ext cx="1291540" cy="239182"/>
+          </a:xfrm>
+          <a:prstGeom prst="roundRect">
+            <a:avLst>
+              <a:gd name="adj" fmla="val 0"/>
+            </a:avLst>
+          </a:prstGeom>
+          <a:noFill/>
+          <a:ln>
+            <a:noFill/>
+          </a:ln>
+        </p:spPr>
+        <p:style>
+          <a:lnRef idx="2">
+            <a:schemeClr val="dk1"/>
+          </a:lnRef>
+          <a:fillRef idx="1">
+            <a:schemeClr val="lt1"/>
+          </a:fillRef>
+          <a:effectRef idx="0">
+            <a:schemeClr val="dk1"/>
+          </a:effectRef>
+          <a:fontRef idx="minor">
+            <a:schemeClr val="dk1"/>
+          </a:fontRef>
+        </p:style>
+        <p:txBody>
+          <a:bodyPr rtlCol="0" anchor="ctr"/>
+          <a:lstStyle/>
+          <a:p>
+            <a:pPr algn="ctr"/>
+            <a:r>
+              <a:rPr lang="en-US" altLang="ko-KR" sz="1050"/>
+              <a:t>SYN-SENT</a:t>
+            </a:r>
+          </a:p>
+        </p:txBody>
+      </p:sp>
     </p:spTree>
     <p:extLst>
       <p:ext uri="{BB962C8B-B14F-4D97-AF65-F5344CB8AC3E}">
@@ -6435,211 +6707,137 @@
       </p:grpSpPr>
       <p:sp>
         <p:nvSpPr>
-          <p:cNvPr id="3" name="사각형: 둥근 모서리 2">
-            <a:extLst>
-              <a:ext uri="{FF2B5EF4-FFF2-40B4-BE49-F238E27FC236}">
-                <a16:creationId xmlns:a16="http://schemas.microsoft.com/office/drawing/2014/main" id="{9F86ECB6-AC36-4306-BFF1-3E4718239FE7}"/>
-              </a:ext>
-            </a:extLst>
-          </p:cNvPr>
-          <p:cNvSpPr/>
-          <p:nvPr/>
-        </p:nvSpPr>
-        <p:spPr>
-          <a:xfrm>
-            <a:off x="1187624" y="987574"/>
-            <a:ext cx="1008112" cy="504056"/>
-          </a:xfrm>
-          <a:prstGeom prst="roundRect">
-            <a:avLst>
-              <a:gd name="adj" fmla="val 9490"/>
-            </a:avLst>
-          </a:prstGeom>
-        </p:spPr>
-        <p:style>
-          <a:lnRef idx="2">
-            <a:schemeClr val="dk1"/>
-          </a:lnRef>
-          <a:fillRef idx="1">
-            <a:schemeClr val="lt1"/>
-          </a:fillRef>
-          <a:effectRef idx="0">
-            <a:schemeClr val="dk1"/>
-          </a:effectRef>
-          <a:fontRef idx="minor">
-            <a:schemeClr val="dk1"/>
-          </a:fontRef>
-        </p:style>
-        <p:txBody>
-          <a:bodyPr rtlCol="0" anchor="ctr"/>
+          <p:cNvPr id="2" name="제목 1"/>
+          <p:cNvSpPr>
+            <a:spLocks noGrp="1"/>
+          </p:cNvSpPr>
+          <p:nvPr>
+            <p:ph type="title"/>
+          </p:nvPr>
+        </p:nvSpPr>
+        <p:spPr>
+          <a:xfrm>
+            <a:off x="457200" y="-92546"/>
+            <a:ext cx="8229600" cy="720080"/>
+          </a:xfrm>
+        </p:spPr>
+        <p:txBody>
+          <a:bodyPr>
+            <a:normAutofit/>
+          </a:bodyPr>
+          <a:lstStyle/>
+          <a:p>
+            <a:r>
+              <a:rPr lang="en-US" altLang="ko-KR" sz="3600"/>
+              <a:t>Lost Last Ack</a:t>
+            </a:r>
+            <a:endParaRPr lang="ko-KR" altLang="en-US" sz="3600" dirty="0"/>
+          </a:p>
+        </p:txBody>
+      </p:sp>
+      <p:sp>
+        <p:nvSpPr>
+          <p:cNvPr id="94" name="TextBox 93">
+            <a:extLst>
+              <a:ext uri="{FF2B5EF4-FFF2-40B4-BE49-F238E27FC236}">
+                <a16:creationId xmlns:a16="http://schemas.microsoft.com/office/drawing/2014/main" id="{8C202BA3-1836-446B-9762-088033ED3707}"/>
+              </a:ext>
+            </a:extLst>
+          </p:cNvPr>
+          <p:cNvSpPr txBox="1"/>
+          <p:nvPr/>
+        </p:nvSpPr>
+        <p:spPr>
+          <a:xfrm>
+            <a:off x="3130238" y="771550"/>
+            <a:ext cx="583814" cy="276999"/>
+          </a:xfrm>
+          <a:prstGeom prst="rect">
+            <a:avLst/>
+          </a:prstGeom>
+          <a:noFill/>
+        </p:spPr>
+        <p:txBody>
+          <a:bodyPr wrap="none" rtlCol="0" anchor="ctr">
+            <a:spAutoFit/>
+          </a:bodyPr>
           <a:lstStyle/>
           <a:p>
             <a:pPr algn="ctr"/>
             <a:r>
               <a:rPr lang="en-US" altLang="ko-KR" sz="1200"/>
-              <a:t>10.0.0.10</a:t>
-            </a:r>
-          </a:p>
-          <a:p>
-            <a:pPr algn="ctr"/>
-            <a:r>
-              <a:rPr lang="en-US" altLang="ko-KR" sz="1200"/>
-              <a:t>Client A</a:t>
-            </a:r>
-          </a:p>
-        </p:txBody>
-      </p:sp>
-      <p:sp>
-        <p:nvSpPr>
-          <p:cNvPr id="7" name="사각형: 둥근 모서리 6">
-            <a:extLst>
-              <a:ext uri="{FF2B5EF4-FFF2-40B4-BE49-F238E27FC236}">
-                <a16:creationId xmlns:a16="http://schemas.microsoft.com/office/drawing/2014/main" id="{E1ED4128-6524-464C-9974-B7024527D134}"/>
-              </a:ext>
-            </a:extLst>
-          </p:cNvPr>
-          <p:cNvSpPr/>
-          <p:nvPr/>
-        </p:nvSpPr>
-        <p:spPr>
-          <a:xfrm>
-            <a:off x="1187624" y="1887674"/>
-            <a:ext cx="1008112" cy="504056"/>
-          </a:xfrm>
-          <a:prstGeom prst="roundRect">
-            <a:avLst>
-              <a:gd name="adj" fmla="val 9490"/>
-            </a:avLst>
-          </a:prstGeom>
-        </p:spPr>
-        <p:style>
-          <a:lnRef idx="2">
-            <a:schemeClr val="dk1"/>
-          </a:lnRef>
-          <a:fillRef idx="1">
-            <a:schemeClr val="lt1"/>
-          </a:fillRef>
-          <a:effectRef idx="0">
-            <a:schemeClr val="dk1"/>
-          </a:effectRef>
-          <a:fontRef idx="minor">
-            <a:schemeClr val="dk1"/>
-          </a:fontRef>
-        </p:style>
-        <p:txBody>
-          <a:bodyPr rtlCol="0" anchor="ctr"/>
-          <a:lstStyle/>
-          <a:p>
-            <a:pPr algn="ctr"/>
-            <a:r>
-              <a:rPr lang="en-US" altLang="ko-KR" sz="1200"/>
-              <a:t>10.0.0.20</a:t>
-            </a:r>
-          </a:p>
-          <a:p>
-            <a:pPr algn="ctr"/>
-            <a:r>
-              <a:rPr lang="en-US" altLang="ko-KR" sz="1200"/>
-              <a:t>Client B</a:t>
-            </a:r>
-          </a:p>
-        </p:txBody>
-      </p:sp>
-      <p:sp>
-        <p:nvSpPr>
-          <p:cNvPr id="8" name="사각형: 둥근 모서리 7">
-            <a:extLst>
-              <a:ext uri="{FF2B5EF4-FFF2-40B4-BE49-F238E27FC236}">
-                <a16:creationId xmlns:a16="http://schemas.microsoft.com/office/drawing/2014/main" id="{C689FE00-0672-4697-B5CE-A2C8CA849913}"/>
-              </a:ext>
-            </a:extLst>
-          </p:cNvPr>
-          <p:cNvSpPr/>
-          <p:nvPr/>
-        </p:nvSpPr>
-        <p:spPr>
-          <a:xfrm>
-            <a:off x="3635896" y="1419622"/>
-            <a:ext cx="1008112" cy="504056"/>
-          </a:xfrm>
-          <a:prstGeom prst="roundRect">
-            <a:avLst>
-              <a:gd name="adj" fmla="val 9490"/>
-            </a:avLst>
-          </a:prstGeom>
-        </p:spPr>
-        <p:style>
-          <a:lnRef idx="2">
-            <a:schemeClr val="dk1"/>
-          </a:lnRef>
-          <a:fillRef idx="1">
-            <a:schemeClr val="lt1"/>
-          </a:fillRef>
-          <a:effectRef idx="0">
-            <a:schemeClr val="dk1"/>
-          </a:effectRef>
-          <a:fontRef idx="minor">
-            <a:schemeClr val="dk1"/>
-          </a:fontRef>
-        </p:style>
-        <p:txBody>
-          <a:bodyPr rtlCol="0" anchor="ctr"/>
-          <a:lstStyle/>
-          <a:p>
-            <a:pPr algn="ctr"/>
-            <a:r>
-              <a:rPr lang="en-US" altLang="ko-KR" sz="1200"/>
-              <a:t>Gateway</a:t>
-            </a:r>
-          </a:p>
-          <a:p>
-            <a:pPr algn="ctr"/>
-            <a:r>
-              <a:rPr lang="en-US" altLang="ko-KR" sz="1200"/>
-              <a:t>(SNAT)</a:t>
-            </a:r>
-          </a:p>
-        </p:txBody>
-      </p:sp>
-      <p:sp>
-        <p:nvSpPr>
-          <p:cNvPr id="9" name="사각형: 둥근 모서리 8">
-            <a:extLst>
-              <a:ext uri="{FF2B5EF4-FFF2-40B4-BE49-F238E27FC236}">
-                <a16:creationId xmlns:a16="http://schemas.microsoft.com/office/drawing/2014/main" id="{A57E2AAB-D959-4B8D-96F5-E56BCE807876}"/>
-              </a:ext>
-            </a:extLst>
-          </p:cNvPr>
-          <p:cNvSpPr/>
-          <p:nvPr/>
-        </p:nvSpPr>
-        <p:spPr>
-          <a:xfrm>
-            <a:off x="6084168" y="1419622"/>
-            <a:ext cx="1008112" cy="504056"/>
-          </a:xfrm>
-          <a:prstGeom prst="roundRect">
-            <a:avLst>
-              <a:gd name="adj" fmla="val 9490"/>
-            </a:avLst>
-          </a:prstGeom>
-        </p:spPr>
-        <p:style>
-          <a:lnRef idx="2">
-            <a:schemeClr val="dk1"/>
-          </a:lnRef>
-          <a:fillRef idx="1">
-            <a:schemeClr val="lt1"/>
-          </a:fillRef>
-          <a:effectRef idx="0">
-            <a:schemeClr val="dk1"/>
-          </a:effectRef>
-          <a:fontRef idx="minor">
-            <a:schemeClr val="dk1"/>
-          </a:fontRef>
-        </p:style>
-        <p:txBody>
-          <a:bodyPr rtlCol="0" anchor="ctr"/>
+              <a:t>Client</a:t>
+            </a:r>
+            <a:endParaRPr lang="ko-KR" altLang="en-US" sz="1200"/>
+          </a:p>
+        </p:txBody>
+      </p:sp>
+      <p:cxnSp>
+        <p:nvCxnSpPr>
+          <p:cNvPr id="4" name="직선 연결선 3">
+            <a:extLst>
+              <a:ext uri="{FF2B5EF4-FFF2-40B4-BE49-F238E27FC236}">
+                <a16:creationId xmlns:a16="http://schemas.microsoft.com/office/drawing/2014/main" id="{BAB273D5-6145-499E-8390-48BBD4E91D59}"/>
+              </a:ext>
+            </a:extLst>
+          </p:cNvPr>
+          <p:cNvCxnSpPr>
+            <a:cxnSpLocks/>
+            <a:stCxn id="94" idx="2"/>
+          </p:cNvCxnSpPr>
+          <p:nvPr/>
+        </p:nvCxnSpPr>
+        <p:spPr>
+          <a:xfrm>
+            <a:off x="3422145" y="1048549"/>
+            <a:ext cx="0" cy="2819345"/>
+          </a:xfrm>
+          <a:prstGeom prst="line">
+            <a:avLst/>
+          </a:prstGeom>
+          <a:ln w="19050"/>
+        </p:spPr>
+        <p:style>
+          <a:lnRef idx="1">
+            <a:schemeClr val="dk1"/>
+          </a:lnRef>
+          <a:fillRef idx="0">
+            <a:schemeClr val="dk1"/>
+          </a:fillRef>
+          <a:effectRef idx="0">
+            <a:schemeClr val="dk1"/>
+          </a:effectRef>
+          <a:fontRef idx="minor">
+            <a:schemeClr val="tx1"/>
+          </a:fontRef>
+        </p:style>
+      </p:cxnSp>
+      <p:sp>
+        <p:nvSpPr>
+          <p:cNvPr id="96" name="TextBox 95">
+            <a:extLst>
+              <a:ext uri="{FF2B5EF4-FFF2-40B4-BE49-F238E27FC236}">
+                <a16:creationId xmlns:a16="http://schemas.microsoft.com/office/drawing/2014/main" id="{AD3DA31F-90ED-4078-A5A4-F997308F0720}"/>
+              </a:ext>
+            </a:extLst>
+          </p:cNvPr>
+          <p:cNvSpPr txBox="1"/>
+          <p:nvPr/>
+        </p:nvSpPr>
+        <p:spPr>
+          <a:xfrm>
+            <a:off x="5341331" y="771550"/>
+            <a:ext cx="621580" cy="276999"/>
+          </a:xfrm>
+          <a:prstGeom prst="rect">
+            <a:avLst/>
+          </a:prstGeom>
+          <a:noFill/>
+        </p:spPr>
+        <p:txBody>
+          <a:bodyPr wrap="none" rtlCol="0" anchor="ctr">
+            <a:spAutoFit/>
+          </a:bodyPr>
           <a:lstStyle/>
           <a:p>
             <a:pPr algn="ctr"/>
@@ -6647,29 +6845,110 @@
               <a:rPr lang="en-US" altLang="ko-KR" sz="1200"/>
               <a:t>Server</a:t>
             </a:r>
+            <a:endParaRPr lang="ko-KR" altLang="en-US" sz="1200"/>
           </a:p>
         </p:txBody>
       </p:sp>
       <p:cxnSp>
         <p:nvCxnSpPr>
-          <p:cNvPr id="10" name="직선 화살표 연결선 9">
-            <a:extLst>
-              <a:ext uri="{FF2B5EF4-FFF2-40B4-BE49-F238E27FC236}">
-                <a16:creationId xmlns:a16="http://schemas.microsoft.com/office/drawing/2014/main" id="{7AD3237B-0095-4961-8466-99BF598256E3}"/>
+          <p:cNvPr id="97" name="직선 연결선 96">
+            <a:extLst>
+              <a:ext uri="{FF2B5EF4-FFF2-40B4-BE49-F238E27FC236}">
+                <a16:creationId xmlns:a16="http://schemas.microsoft.com/office/drawing/2014/main" id="{EA9E3194-9CAD-40ED-8CD3-7E8675DAB44F}"/>
               </a:ext>
             </a:extLst>
           </p:cNvPr>
           <p:cNvCxnSpPr>
             <a:cxnSpLocks/>
-            <a:stCxn id="3" idx="3"/>
-            <a:endCxn id="8" idx="1"/>
+            <a:stCxn id="96" idx="2"/>
           </p:cNvCxnSpPr>
           <p:nvPr/>
         </p:nvCxnSpPr>
         <p:spPr>
           <a:xfrm>
-            <a:off x="2195736" y="1239602"/>
-            <a:ext cx="1440160" cy="432048"/>
+            <a:off x="5652121" y="1048549"/>
+            <a:ext cx="0" cy="2891353"/>
+          </a:xfrm>
+          <a:prstGeom prst="line">
+            <a:avLst/>
+          </a:prstGeom>
+          <a:ln w="19050"/>
+        </p:spPr>
+        <p:style>
+          <a:lnRef idx="1">
+            <a:schemeClr val="dk1"/>
+          </a:lnRef>
+          <a:fillRef idx="0">
+            <a:schemeClr val="dk1"/>
+          </a:fillRef>
+          <a:effectRef idx="0">
+            <a:schemeClr val="dk1"/>
+          </a:effectRef>
+          <a:fontRef idx="minor">
+            <a:schemeClr val="tx1"/>
+          </a:fontRef>
+        </p:style>
+      </p:cxnSp>
+      <p:cxnSp>
+        <p:nvCxnSpPr>
+          <p:cNvPr id="108" name="직선 연결선 107">
+            <a:extLst>
+              <a:ext uri="{FF2B5EF4-FFF2-40B4-BE49-F238E27FC236}">
+                <a16:creationId xmlns:a16="http://schemas.microsoft.com/office/drawing/2014/main" id="{CD521810-DBF5-408F-AC05-216EFBE70BDF}"/>
+              </a:ext>
+            </a:extLst>
+          </p:cNvPr>
+          <p:cNvCxnSpPr>
+            <a:cxnSpLocks/>
+            <a:endCxn id="124" idx="3"/>
+          </p:cNvCxnSpPr>
+          <p:nvPr/>
+        </p:nvCxnSpPr>
+        <p:spPr>
+          <a:xfrm flipH="1">
+            <a:off x="3303876" y="2229737"/>
+            <a:ext cx="2496559" cy="0"/>
+          </a:xfrm>
+          <a:prstGeom prst="line">
+            <a:avLst/>
+          </a:prstGeom>
+          <a:ln w="19050">
+            <a:prstDash val="dash"/>
+          </a:ln>
+        </p:spPr>
+        <p:style>
+          <a:lnRef idx="1">
+            <a:schemeClr val="dk1"/>
+          </a:lnRef>
+          <a:fillRef idx="0">
+            <a:schemeClr val="dk1"/>
+          </a:fillRef>
+          <a:effectRef idx="0">
+            <a:schemeClr val="dk1"/>
+          </a:effectRef>
+          <a:fontRef idx="minor">
+            <a:schemeClr val="tx1"/>
+          </a:fontRef>
+        </p:style>
+      </p:cxnSp>
+      <p:cxnSp>
+        <p:nvCxnSpPr>
+          <p:cNvPr id="109" name="직선 화살표 연결선 108">
+            <a:extLst>
+              <a:ext uri="{FF2B5EF4-FFF2-40B4-BE49-F238E27FC236}">
+                <a16:creationId xmlns:a16="http://schemas.microsoft.com/office/drawing/2014/main" id="{96F6352D-C74E-4D0F-9AF2-DAFC9A1B9722}"/>
+              </a:ext>
+            </a:extLst>
+          </p:cNvPr>
+          <p:cNvCxnSpPr>
+            <a:cxnSpLocks/>
+          </p:cNvCxnSpPr>
+          <p:nvPr/>
+        </p:nvCxnSpPr>
+        <p:spPr>
+          <a:xfrm>
+            <a:off x="3422145" y="2283718"/>
+            <a:ext cx="2229976" cy="216024"/>
           </a:xfrm>
           <a:prstGeom prst="straightConnector1">
             <a:avLst/>
@@ -6694,26 +6973,130 @@
           </a:fontRef>
         </p:style>
       </p:cxnSp>
+      <p:sp>
+        <p:nvSpPr>
+          <p:cNvPr id="111" name="사각형: 둥근 모서리 110">
+            <a:extLst>
+              <a:ext uri="{FF2B5EF4-FFF2-40B4-BE49-F238E27FC236}">
+                <a16:creationId xmlns:a16="http://schemas.microsoft.com/office/drawing/2014/main" id="{2DD619B4-09B6-407E-84C3-C5C81E611C01}"/>
+              </a:ext>
+            </a:extLst>
+          </p:cNvPr>
+          <p:cNvSpPr/>
+          <p:nvPr/>
+        </p:nvSpPr>
+        <p:spPr>
+          <a:xfrm>
+            <a:off x="4498993" y="2191920"/>
+            <a:ext cx="947468" cy="239182"/>
+          </a:xfrm>
+          <a:prstGeom prst="roundRect">
+            <a:avLst>
+              <a:gd name="adj" fmla="val 0"/>
+            </a:avLst>
+          </a:prstGeom>
+          <a:noFill/>
+          <a:ln>
+            <a:noFill/>
+          </a:ln>
+        </p:spPr>
+        <p:style>
+          <a:lnRef idx="2">
+            <a:schemeClr val="dk1"/>
+          </a:lnRef>
+          <a:fillRef idx="1">
+            <a:schemeClr val="lt1"/>
+          </a:fillRef>
+          <a:effectRef idx="0">
+            <a:schemeClr val="dk1"/>
+          </a:effectRef>
+          <a:fontRef idx="minor">
+            <a:schemeClr val="dk1"/>
+          </a:fontRef>
+        </p:style>
+        <p:txBody>
+          <a:bodyPr rtlCol="0" anchor="ctr"/>
+          <a:lstStyle/>
+          <a:p>
+            <a:pPr algn="ctr"/>
+            <a:r>
+              <a:rPr lang="en-US" altLang="ko-KR" sz="900"/>
+              <a:t>SYN</a:t>
+            </a:r>
+          </a:p>
+        </p:txBody>
+      </p:sp>
+      <p:sp>
+        <p:nvSpPr>
+          <p:cNvPr id="124" name="사각형: 둥근 모서리 123">
+            <a:extLst>
+              <a:ext uri="{FF2B5EF4-FFF2-40B4-BE49-F238E27FC236}">
+                <a16:creationId xmlns:a16="http://schemas.microsoft.com/office/drawing/2014/main" id="{5D44E6C9-41E8-4AFC-8E27-769F2B347FC6}"/>
+              </a:ext>
+            </a:extLst>
+          </p:cNvPr>
+          <p:cNvSpPr/>
+          <p:nvPr/>
+        </p:nvSpPr>
+        <p:spPr>
+          <a:xfrm>
+            <a:off x="2091104" y="2110146"/>
+            <a:ext cx="1212772" cy="239182"/>
+          </a:xfrm>
+          <a:prstGeom prst="roundRect">
+            <a:avLst>
+              <a:gd name="adj" fmla="val 0"/>
+            </a:avLst>
+          </a:prstGeom>
+          <a:noFill/>
+          <a:ln>
+            <a:noFill/>
+          </a:ln>
+        </p:spPr>
+        <p:style>
+          <a:lnRef idx="2">
+            <a:schemeClr val="dk1"/>
+          </a:lnRef>
+          <a:fillRef idx="1">
+            <a:schemeClr val="lt1"/>
+          </a:fillRef>
+          <a:effectRef idx="0">
+            <a:schemeClr val="dk1"/>
+          </a:effectRef>
+          <a:fontRef idx="minor">
+            <a:schemeClr val="dk1"/>
+          </a:fontRef>
+        </p:style>
+        <p:txBody>
+          <a:bodyPr rtlCol="0" anchor="ctr"/>
+          <a:lstStyle/>
+          <a:p>
+            <a:pPr algn="ctr"/>
+            <a:r>
+              <a:rPr lang="en-US" altLang="ko-KR" sz="1050"/>
+              <a:t>New Connection</a:t>
+            </a:r>
+          </a:p>
+        </p:txBody>
+      </p:sp>
       <p:cxnSp>
         <p:nvCxnSpPr>
-          <p:cNvPr id="16" name="직선 화살표 연결선 15">
-            <a:extLst>
-              <a:ext uri="{FF2B5EF4-FFF2-40B4-BE49-F238E27FC236}">
-                <a16:creationId xmlns:a16="http://schemas.microsoft.com/office/drawing/2014/main" id="{CEAAD731-B270-42E7-A8A5-21F442E07D6C}"/>
+          <p:cNvPr id="23" name="직선 화살표 연결선 22">
+            <a:extLst>
+              <a:ext uri="{FF2B5EF4-FFF2-40B4-BE49-F238E27FC236}">
+                <a16:creationId xmlns:a16="http://schemas.microsoft.com/office/drawing/2014/main" id="{149AB5C6-6F28-44AF-A48F-D06BCB290205}"/>
               </a:ext>
             </a:extLst>
           </p:cNvPr>
           <p:cNvCxnSpPr>
             <a:cxnSpLocks/>
-            <a:stCxn id="8" idx="3"/>
-            <a:endCxn id="9" idx="1"/>
           </p:cNvCxnSpPr>
           <p:nvPr/>
         </p:nvCxnSpPr>
         <p:spPr>
           <a:xfrm>
-            <a:off x="4644008" y="1671650"/>
-            <a:ext cx="1440160" cy="0"/>
+            <a:off x="3422145" y="1170237"/>
+            <a:ext cx="2229976" cy="216024"/>
           </a:xfrm>
           <a:prstGeom prst="straightConnector1">
             <a:avLst/>
@@ -6738,437 +7121,24 @@
           </a:fontRef>
         </p:style>
       </p:cxnSp>
-      <p:sp>
-        <p:nvSpPr>
-          <p:cNvPr id="24" name="사각형: 둥근 모서리 23">
-            <a:extLst>
-              <a:ext uri="{FF2B5EF4-FFF2-40B4-BE49-F238E27FC236}">
-                <a16:creationId xmlns:a16="http://schemas.microsoft.com/office/drawing/2014/main" id="{5F00D9C9-AADE-437B-B1C0-9988F4E2428F}"/>
-              </a:ext>
-            </a:extLst>
-          </p:cNvPr>
-          <p:cNvSpPr/>
-          <p:nvPr/>
-        </p:nvSpPr>
-        <p:spPr>
-          <a:xfrm>
-            <a:off x="2339752" y="987574"/>
-            <a:ext cx="1152128" cy="401039"/>
-          </a:xfrm>
-          <a:prstGeom prst="roundRect">
-            <a:avLst>
-              <a:gd name="adj" fmla="val 0"/>
-            </a:avLst>
-          </a:prstGeom>
-          <a:noFill/>
-          <a:ln>
-            <a:noFill/>
-          </a:ln>
-        </p:spPr>
-        <p:style>
-          <a:lnRef idx="2">
-            <a:schemeClr val="dk1"/>
-          </a:lnRef>
-          <a:fillRef idx="1">
-            <a:schemeClr val="lt1"/>
-          </a:fillRef>
-          <a:effectRef idx="0">
-            <a:schemeClr val="dk1"/>
-          </a:effectRef>
-          <a:fontRef idx="minor">
-            <a:schemeClr val="dk1"/>
-          </a:fontRef>
-        </p:style>
-        <p:txBody>
-          <a:bodyPr rtlCol="0" anchor="ctr"/>
-          <a:lstStyle/>
-          <a:p>
-            <a:pPr algn="ctr"/>
-            <a:r>
-              <a:rPr lang="en-US" altLang="ko-KR" sz="900"/>
-              <a:t>Src IP : 10.0.0.10</a:t>
-            </a:r>
-          </a:p>
-          <a:p>
-            <a:pPr algn="ctr"/>
-            <a:r>
-              <a:rPr lang="en-US" altLang="ko-KR" sz="900"/>
-              <a:t>Src Port : 10000 TS : 200</a:t>
-            </a:r>
-          </a:p>
-        </p:txBody>
-      </p:sp>
-      <p:sp>
-        <p:nvSpPr>
-          <p:cNvPr id="25" name="사각형: 둥근 모서리 24">
-            <a:extLst>
-              <a:ext uri="{FF2B5EF4-FFF2-40B4-BE49-F238E27FC236}">
-                <a16:creationId xmlns:a16="http://schemas.microsoft.com/office/drawing/2014/main" id="{A2528744-70C0-4677-9410-3F81DF2A648A}"/>
-              </a:ext>
-            </a:extLst>
-          </p:cNvPr>
-          <p:cNvSpPr/>
-          <p:nvPr/>
-        </p:nvSpPr>
-        <p:spPr>
-          <a:xfrm>
-            <a:off x="7032884" y="1465296"/>
-            <a:ext cx="1368152" cy="401039"/>
-          </a:xfrm>
-          <a:prstGeom prst="roundRect">
-            <a:avLst>
-              <a:gd name="adj" fmla="val 0"/>
-            </a:avLst>
-          </a:prstGeom>
-          <a:noFill/>
-          <a:ln>
-            <a:noFill/>
-          </a:ln>
-        </p:spPr>
-        <p:style>
-          <a:lnRef idx="2">
-            <a:schemeClr val="dk1"/>
-          </a:lnRef>
-          <a:fillRef idx="1">
-            <a:schemeClr val="lt1"/>
-          </a:fillRef>
-          <a:effectRef idx="0">
-            <a:schemeClr val="dk1"/>
-          </a:effectRef>
-          <a:fontRef idx="minor">
-            <a:schemeClr val="dk1"/>
-          </a:fontRef>
-        </p:style>
-        <p:txBody>
-          <a:bodyPr rtlCol="0" anchor="ctr"/>
-          <a:lstStyle/>
-          <a:p>
-            <a:pPr algn="ctr"/>
-            <a:r>
-              <a:rPr lang="en-US" altLang="ko-KR" sz="900"/>
-              <a:t>Src IP : 192.168.0.100</a:t>
-            </a:r>
-          </a:p>
-          <a:p>
-            <a:pPr algn="ctr"/>
-            <a:r>
-              <a:rPr lang="en-US" altLang="ko-KR" sz="900"/>
-              <a:t>Src Port : 10000 </a:t>
-            </a:r>
-          </a:p>
-          <a:p>
-            <a:pPr algn="ctr"/>
-            <a:r>
-              <a:rPr lang="en-US" altLang="ko-KR" sz="900"/>
-              <a:t>TS : 200</a:t>
-            </a:r>
-          </a:p>
-        </p:txBody>
-      </p:sp>
-      <p:sp>
-        <p:nvSpPr>
-          <p:cNvPr id="26" name="사각형: 둥근 모서리 25">
-            <a:extLst>
-              <a:ext uri="{FF2B5EF4-FFF2-40B4-BE49-F238E27FC236}">
-                <a16:creationId xmlns:a16="http://schemas.microsoft.com/office/drawing/2014/main" id="{9A283ED4-FB79-4FB8-AF24-8E78D37BA2B4}"/>
-              </a:ext>
-            </a:extLst>
-          </p:cNvPr>
-          <p:cNvSpPr/>
-          <p:nvPr/>
-        </p:nvSpPr>
-        <p:spPr>
-          <a:xfrm>
-            <a:off x="4699588" y="1270611"/>
-            <a:ext cx="1312572" cy="401039"/>
-          </a:xfrm>
-          <a:prstGeom prst="roundRect">
-            <a:avLst>
-              <a:gd name="adj" fmla="val 0"/>
-            </a:avLst>
-          </a:prstGeom>
-          <a:noFill/>
-          <a:ln>
-            <a:noFill/>
-          </a:ln>
-        </p:spPr>
-        <p:style>
-          <a:lnRef idx="2">
-            <a:schemeClr val="dk1"/>
-          </a:lnRef>
-          <a:fillRef idx="1">
-            <a:schemeClr val="lt1"/>
-          </a:fillRef>
-          <a:effectRef idx="0">
-            <a:schemeClr val="dk1"/>
-          </a:effectRef>
-          <a:fontRef idx="minor">
-            <a:schemeClr val="dk1"/>
-          </a:fontRef>
-        </p:style>
-        <p:txBody>
-          <a:bodyPr rtlCol="0" anchor="ctr"/>
-          <a:lstStyle/>
-          <a:p>
-            <a:pPr algn="ctr"/>
-            <a:r>
-              <a:rPr lang="en-US" altLang="ko-KR" sz="900"/>
-              <a:t>Src IP : 192.168.0.100</a:t>
-            </a:r>
-          </a:p>
-          <a:p>
-            <a:pPr algn="ctr"/>
-            <a:r>
-              <a:rPr lang="en-US" altLang="ko-KR" sz="900"/>
-              <a:t>Src Port : 10000 </a:t>
-            </a:r>
-          </a:p>
-          <a:p>
-            <a:pPr algn="ctr"/>
-            <a:r>
-              <a:rPr lang="en-US" altLang="ko-KR" sz="900"/>
-              <a:t>TS : 200</a:t>
-            </a:r>
-          </a:p>
-        </p:txBody>
-      </p:sp>
-      <p:sp>
-        <p:nvSpPr>
-          <p:cNvPr id="36" name="사각형: 둥근 모서리 35">
-            <a:extLst>
-              <a:ext uri="{FF2B5EF4-FFF2-40B4-BE49-F238E27FC236}">
-                <a16:creationId xmlns:a16="http://schemas.microsoft.com/office/drawing/2014/main" id="{B68B00C6-98D4-4E60-8FF9-DF21D1C572A2}"/>
-              </a:ext>
-            </a:extLst>
-          </p:cNvPr>
-          <p:cNvSpPr/>
-          <p:nvPr/>
-        </p:nvSpPr>
-        <p:spPr>
-          <a:xfrm>
-            <a:off x="1187624" y="2823778"/>
-            <a:ext cx="1008112" cy="504056"/>
-          </a:xfrm>
-          <a:prstGeom prst="roundRect">
-            <a:avLst>
-              <a:gd name="adj" fmla="val 9490"/>
-            </a:avLst>
-          </a:prstGeom>
-        </p:spPr>
-        <p:style>
-          <a:lnRef idx="2">
-            <a:schemeClr val="dk1"/>
-          </a:lnRef>
-          <a:fillRef idx="1">
-            <a:schemeClr val="lt1"/>
-          </a:fillRef>
-          <a:effectRef idx="0">
-            <a:schemeClr val="dk1"/>
-          </a:effectRef>
-          <a:fontRef idx="minor">
-            <a:schemeClr val="dk1"/>
-          </a:fontRef>
-        </p:style>
-        <p:txBody>
-          <a:bodyPr rtlCol="0" anchor="ctr"/>
-          <a:lstStyle/>
-          <a:p>
-            <a:pPr algn="ctr"/>
-            <a:r>
-              <a:rPr lang="en-US" altLang="ko-KR" sz="1200"/>
-              <a:t>10.0.0.10</a:t>
-            </a:r>
-          </a:p>
-          <a:p>
-            <a:pPr algn="ctr"/>
-            <a:r>
-              <a:rPr lang="en-US" altLang="ko-KR" sz="1200"/>
-              <a:t>Client A</a:t>
-            </a:r>
-          </a:p>
-        </p:txBody>
-      </p:sp>
-      <p:sp>
-        <p:nvSpPr>
-          <p:cNvPr id="37" name="사각형: 둥근 모서리 36">
-            <a:extLst>
-              <a:ext uri="{FF2B5EF4-FFF2-40B4-BE49-F238E27FC236}">
-                <a16:creationId xmlns:a16="http://schemas.microsoft.com/office/drawing/2014/main" id="{616CBC22-70AA-4D4E-940B-170D03DBDD97}"/>
-              </a:ext>
-            </a:extLst>
-          </p:cNvPr>
-          <p:cNvSpPr/>
-          <p:nvPr/>
-        </p:nvSpPr>
-        <p:spPr>
-          <a:xfrm>
-            <a:off x="1187624" y="3723878"/>
-            <a:ext cx="1008112" cy="504056"/>
-          </a:xfrm>
-          <a:prstGeom prst="roundRect">
-            <a:avLst>
-              <a:gd name="adj" fmla="val 9490"/>
-            </a:avLst>
-          </a:prstGeom>
-        </p:spPr>
-        <p:style>
-          <a:lnRef idx="2">
-            <a:schemeClr val="dk1"/>
-          </a:lnRef>
-          <a:fillRef idx="1">
-            <a:schemeClr val="lt1"/>
-          </a:fillRef>
-          <a:effectRef idx="0">
-            <a:schemeClr val="dk1"/>
-          </a:effectRef>
-          <a:fontRef idx="minor">
-            <a:schemeClr val="dk1"/>
-          </a:fontRef>
-        </p:style>
-        <p:txBody>
-          <a:bodyPr rtlCol="0" anchor="ctr"/>
-          <a:lstStyle/>
-          <a:p>
-            <a:pPr algn="ctr"/>
-            <a:r>
-              <a:rPr lang="en-US" altLang="ko-KR" sz="1200"/>
-              <a:t>10.0.0.20</a:t>
-            </a:r>
-          </a:p>
-          <a:p>
-            <a:pPr algn="ctr"/>
-            <a:r>
-              <a:rPr lang="en-US" altLang="ko-KR" sz="1200"/>
-              <a:t>Client B</a:t>
-            </a:r>
-          </a:p>
-        </p:txBody>
-      </p:sp>
-      <p:sp>
-        <p:nvSpPr>
-          <p:cNvPr id="38" name="사각형: 둥근 모서리 37">
-            <a:extLst>
-              <a:ext uri="{FF2B5EF4-FFF2-40B4-BE49-F238E27FC236}">
-                <a16:creationId xmlns:a16="http://schemas.microsoft.com/office/drawing/2014/main" id="{FD59C893-F111-4127-960F-3931D579ED6C}"/>
-              </a:ext>
-            </a:extLst>
-          </p:cNvPr>
-          <p:cNvSpPr/>
-          <p:nvPr/>
-        </p:nvSpPr>
-        <p:spPr>
-          <a:xfrm>
-            <a:off x="3635896" y="3255826"/>
-            <a:ext cx="1008112" cy="504056"/>
-          </a:xfrm>
-          <a:prstGeom prst="roundRect">
-            <a:avLst>
-              <a:gd name="adj" fmla="val 9490"/>
-            </a:avLst>
-          </a:prstGeom>
-        </p:spPr>
-        <p:style>
-          <a:lnRef idx="2">
-            <a:schemeClr val="dk1"/>
-          </a:lnRef>
-          <a:fillRef idx="1">
-            <a:schemeClr val="lt1"/>
-          </a:fillRef>
-          <a:effectRef idx="0">
-            <a:schemeClr val="dk1"/>
-          </a:effectRef>
-          <a:fontRef idx="minor">
-            <a:schemeClr val="dk1"/>
-          </a:fontRef>
-        </p:style>
-        <p:txBody>
-          <a:bodyPr rtlCol="0" anchor="ctr"/>
-          <a:lstStyle/>
-          <a:p>
-            <a:pPr algn="ctr"/>
-            <a:r>
-              <a:rPr lang="en-US" altLang="ko-KR" sz="1200"/>
-              <a:t>Gateway</a:t>
-            </a:r>
-          </a:p>
-          <a:p>
-            <a:pPr algn="ctr"/>
-            <a:r>
-              <a:rPr lang="en-US" altLang="ko-KR" sz="1200"/>
-              <a:t>(SNAT)</a:t>
-            </a:r>
-          </a:p>
-        </p:txBody>
-      </p:sp>
-      <p:sp>
-        <p:nvSpPr>
-          <p:cNvPr id="39" name="사각형: 둥근 모서리 38">
-            <a:extLst>
-              <a:ext uri="{FF2B5EF4-FFF2-40B4-BE49-F238E27FC236}">
-                <a16:creationId xmlns:a16="http://schemas.microsoft.com/office/drawing/2014/main" id="{B4BDB381-7985-43EE-93B7-5C67609F71C1}"/>
-              </a:ext>
-            </a:extLst>
-          </p:cNvPr>
-          <p:cNvSpPr/>
-          <p:nvPr/>
-        </p:nvSpPr>
-        <p:spPr>
-          <a:xfrm>
-            <a:off x="6084168" y="3255826"/>
-            <a:ext cx="1008112" cy="504056"/>
-          </a:xfrm>
-          <a:prstGeom prst="roundRect">
-            <a:avLst>
-              <a:gd name="adj" fmla="val 9490"/>
-            </a:avLst>
-          </a:prstGeom>
-        </p:spPr>
-        <p:style>
-          <a:lnRef idx="2">
-            <a:schemeClr val="dk1"/>
-          </a:lnRef>
-          <a:fillRef idx="1">
-            <a:schemeClr val="lt1"/>
-          </a:fillRef>
-          <a:effectRef idx="0">
-            <a:schemeClr val="dk1"/>
-          </a:effectRef>
-          <a:fontRef idx="minor">
-            <a:schemeClr val="dk1"/>
-          </a:fontRef>
-        </p:style>
-        <p:txBody>
-          <a:bodyPr rtlCol="0" anchor="ctr"/>
-          <a:lstStyle/>
-          <a:p>
-            <a:pPr algn="ctr"/>
-            <a:r>
-              <a:rPr lang="en-US" altLang="ko-KR" sz="1200"/>
-              <a:t>Server</a:t>
-            </a:r>
-          </a:p>
-        </p:txBody>
-      </p:sp>
       <p:cxnSp>
         <p:nvCxnSpPr>
-          <p:cNvPr id="40" name="직선 화살표 연결선 39">
-            <a:extLst>
-              <a:ext uri="{FF2B5EF4-FFF2-40B4-BE49-F238E27FC236}">
-                <a16:creationId xmlns:a16="http://schemas.microsoft.com/office/drawing/2014/main" id="{D8B91B38-242E-4517-B731-35EFBECCB35E}"/>
+          <p:cNvPr id="24" name="직선 화살표 연결선 23">
+            <a:extLst>
+              <a:ext uri="{FF2B5EF4-FFF2-40B4-BE49-F238E27FC236}">
+                <a16:creationId xmlns:a16="http://schemas.microsoft.com/office/drawing/2014/main" id="{E379A8AE-9BFF-42B5-861E-5CC3F02852C9}"/>
               </a:ext>
             </a:extLst>
           </p:cNvPr>
           <p:cNvCxnSpPr>
             <a:cxnSpLocks/>
-            <a:stCxn id="37" idx="3"/>
-            <a:endCxn id="38" idx="1"/>
           </p:cNvCxnSpPr>
           <p:nvPr/>
         </p:nvCxnSpPr>
         <p:spPr>
-          <a:xfrm flipV="1">
-            <a:off x="2195736" y="3507854"/>
-            <a:ext cx="1440160" cy="468052"/>
+          <a:xfrm flipH="1">
+            <a:off x="3422145" y="1386261"/>
+            <a:ext cx="2229976" cy="216024"/>
           </a:xfrm>
           <a:prstGeom prst="straightConnector1">
             <a:avLst/>
@@ -7195,24 +7165,64 @@
       </p:cxnSp>
       <p:cxnSp>
         <p:nvCxnSpPr>
-          <p:cNvPr id="41" name="직선 화살표 연결선 40">
-            <a:extLst>
-              <a:ext uri="{FF2B5EF4-FFF2-40B4-BE49-F238E27FC236}">
-                <a16:creationId xmlns:a16="http://schemas.microsoft.com/office/drawing/2014/main" id="{4A5E8066-DD61-4CCA-9D56-66312EDDD4CA}"/>
+          <p:cNvPr id="26" name="직선 화살표 연결선 25">
+            <a:extLst>
+              <a:ext uri="{FF2B5EF4-FFF2-40B4-BE49-F238E27FC236}">
+                <a16:creationId xmlns:a16="http://schemas.microsoft.com/office/drawing/2014/main" id="{8794C61F-59D9-4869-996B-1FD845204BE3}"/>
               </a:ext>
             </a:extLst>
           </p:cNvPr>
           <p:cNvCxnSpPr>
             <a:cxnSpLocks/>
-            <a:stCxn id="38" idx="3"/>
-            <a:endCxn id="39" idx="1"/>
           </p:cNvCxnSpPr>
           <p:nvPr/>
         </p:nvCxnSpPr>
         <p:spPr>
-          <a:xfrm>
-            <a:off x="4644008" y="3507854"/>
-            <a:ext cx="1440160" cy="0"/>
+          <a:xfrm flipH="1">
+            <a:off x="3422145" y="1599990"/>
+            <a:ext cx="2229976" cy="216024"/>
+          </a:xfrm>
+          <a:prstGeom prst="straightConnector1">
+            <a:avLst/>
+          </a:prstGeom>
+          <a:ln w="12700">
+            <a:headEnd type="none" w="med" len="med"/>
+            <a:tailEnd type="arrow" w="med" len="med"/>
+          </a:ln>
+        </p:spPr>
+        <p:style>
+          <a:lnRef idx="1">
+            <a:schemeClr val="dk1"/>
+          </a:lnRef>
+          <a:fillRef idx="0">
+            <a:schemeClr val="dk1"/>
+          </a:fillRef>
+          <a:effectRef idx="0">
+            <a:schemeClr val="dk1"/>
+          </a:effectRef>
+          <a:fontRef idx="minor">
+            <a:schemeClr val="tx1"/>
+          </a:fontRef>
+        </p:style>
+      </p:cxnSp>
+      <p:cxnSp>
+        <p:nvCxnSpPr>
+          <p:cNvPr id="27" name="직선 화살표 연결선 26">
+            <a:extLst>
+              <a:ext uri="{FF2B5EF4-FFF2-40B4-BE49-F238E27FC236}">
+                <a16:creationId xmlns:a16="http://schemas.microsoft.com/office/drawing/2014/main" id="{D9B00C05-6F52-4BFC-AECA-A764A0FFC327}"/>
+              </a:ext>
+            </a:extLst>
+          </p:cNvPr>
+          <p:cNvCxnSpPr>
+            <a:cxnSpLocks/>
+          </p:cNvCxnSpPr>
+          <p:nvPr/>
+        </p:nvCxnSpPr>
+        <p:spPr>
+          <a:xfrm>
+            <a:off x="3422145" y="1813719"/>
+            <a:ext cx="1797927" cy="174170"/>
           </a:xfrm>
           <a:prstGeom prst="straightConnector1">
             <a:avLst/>
@@ -7242,10 +7252,10 @@
       </p:cxnSp>
       <p:sp>
         <p:nvSpPr>
-          <p:cNvPr id="42" name="사각형: 둥근 모서리 41">
-            <a:extLst>
-              <a:ext uri="{FF2B5EF4-FFF2-40B4-BE49-F238E27FC236}">
-                <a16:creationId xmlns:a16="http://schemas.microsoft.com/office/drawing/2014/main" id="{E7AD20AA-1B4E-4ADB-B141-0826DC90C08B}"/>
+          <p:cNvPr id="36" name="사각형: 둥근 모서리 35">
+            <a:extLst>
+              <a:ext uri="{FF2B5EF4-FFF2-40B4-BE49-F238E27FC236}">
+                <a16:creationId xmlns:a16="http://schemas.microsoft.com/office/drawing/2014/main" id="{5390210A-7C0A-4800-8FE8-9974812EA839}"/>
               </a:ext>
             </a:extLst>
           </p:cNvPr>
@@ -7254,8 +7264,8 @@
         </p:nvSpPr>
         <p:spPr>
           <a:xfrm>
-            <a:off x="2339752" y="3217325"/>
-            <a:ext cx="1152128" cy="401039"/>
+            <a:off x="2051720" y="1856381"/>
+            <a:ext cx="1291540" cy="239182"/>
           </a:xfrm>
           <a:prstGeom prst="roundRect">
             <a:avLst>
@@ -7287,25 +7297,18 @@
           <a:p>
             <a:pPr algn="ctr"/>
             <a:r>
-              <a:rPr lang="en-US" altLang="ko-KR" sz="900"/>
-              <a:t>Src IP : 10.0.0.20</a:t>
-            </a:r>
-          </a:p>
-          <a:p>
-            <a:pPr algn="ctr"/>
-            <a:r>
-              <a:rPr lang="en-US" altLang="ko-KR" sz="900"/>
-              <a:t>Src Port : 10000 TS : 100</a:t>
-            </a:r>
-          </a:p>
-        </p:txBody>
-      </p:sp>
-      <p:sp>
-        <p:nvSpPr>
-          <p:cNvPr id="43" name="사각형: 둥근 모서리 42">
-            <a:extLst>
-              <a:ext uri="{FF2B5EF4-FFF2-40B4-BE49-F238E27FC236}">
-                <a16:creationId xmlns:a16="http://schemas.microsoft.com/office/drawing/2014/main" id="{ACFFEFAE-8F8F-47A1-BD12-D115F4CE7985}"/>
+              <a:rPr lang="en-US" altLang="ko-KR" sz="1050"/>
+              <a:t>Short TIME_WAIT</a:t>
+            </a:r>
+          </a:p>
+        </p:txBody>
+      </p:sp>
+      <p:sp>
+        <p:nvSpPr>
+          <p:cNvPr id="37" name="사각형: 둥근 모서리 36">
+            <a:extLst>
+              <a:ext uri="{FF2B5EF4-FFF2-40B4-BE49-F238E27FC236}">
+                <a16:creationId xmlns:a16="http://schemas.microsoft.com/office/drawing/2014/main" id="{C346632A-B39D-4435-871A-2653E6D0CDBB}"/>
               </a:ext>
             </a:extLst>
           </p:cNvPr>
@@ -7314,8 +7317,8 @@
         </p:nvSpPr>
         <p:spPr>
           <a:xfrm>
-            <a:off x="7032884" y="3301500"/>
-            <a:ext cx="1368152" cy="401039"/>
+            <a:off x="4498993" y="1103788"/>
+            <a:ext cx="947468" cy="239182"/>
           </a:xfrm>
           <a:prstGeom prst="roundRect">
             <a:avLst>
@@ -7348,31 +7351,17 @@
             <a:pPr algn="ctr"/>
             <a:r>
               <a:rPr lang="en-US" altLang="ko-KR" sz="900"/>
-              <a:t>Src IP : 192.168.0.100</a:t>
-            </a:r>
-          </a:p>
-          <a:p>
-            <a:pPr algn="ctr"/>
-            <a:r>
-              <a:rPr lang="en-US" altLang="ko-KR" sz="900"/>
-              <a:t>Src Port : 10000 </a:t>
-            </a:r>
-          </a:p>
-          <a:p>
-            <a:pPr algn="ctr"/>
-            <a:r>
-              <a:rPr lang="en-US" altLang="ko-KR" sz="900"/>
-              <a:t>TS : 200</a:t>
-            </a:r>
-          </a:p>
-        </p:txBody>
-      </p:sp>
-      <p:sp>
-        <p:nvSpPr>
-          <p:cNvPr id="44" name="사각형: 둥근 모서리 43">
-            <a:extLst>
-              <a:ext uri="{FF2B5EF4-FFF2-40B4-BE49-F238E27FC236}">
-                <a16:creationId xmlns:a16="http://schemas.microsoft.com/office/drawing/2014/main" id="{9E6D0F4A-A574-4A43-B42A-24066B7BD064}"/>
+              <a:t>FIN</a:t>
+            </a:r>
+          </a:p>
+        </p:txBody>
+      </p:sp>
+      <p:sp>
+        <p:nvSpPr>
+          <p:cNvPr id="38" name="사각형: 둥근 모서리 37">
+            <a:extLst>
+              <a:ext uri="{FF2B5EF4-FFF2-40B4-BE49-F238E27FC236}">
+                <a16:creationId xmlns:a16="http://schemas.microsoft.com/office/drawing/2014/main" id="{A79EDA73-2C96-445A-A245-C3D06B6A4C23}"/>
               </a:ext>
             </a:extLst>
           </p:cNvPr>
@@ -7381,8 +7370,8 @@
         </p:nvSpPr>
         <p:spPr>
           <a:xfrm>
-            <a:off x="4699588" y="3106815"/>
-            <a:ext cx="1312572" cy="401039"/>
+            <a:off x="3570491" y="1314721"/>
+            <a:ext cx="947468" cy="239182"/>
           </a:xfrm>
           <a:prstGeom prst="roundRect">
             <a:avLst>
@@ -7415,31 +7404,17 @@
             <a:pPr algn="ctr"/>
             <a:r>
               <a:rPr lang="en-US" altLang="ko-KR" sz="900"/>
-              <a:t>Src IP : 192.168.0.100</a:t>
-            </a:r>
-          </a:p>
-          <a:p>
-            <a:pPr algn="ctr"/>
-            <a:r>
-              <a:rPr lang="en-US" altLang="ko-KR" sz="900"/>
-              <a:t>Src Port : 10000 </a:t>
-            </a:r>
-          </a:p>
-          <a:p>
-            <a:pPr algn="ctr"/>
-            <a:r>
-              <a:rPr lang="en-US" altLang="ko-KR" sz="900"/>
-              <a:t>TS : 100</a:t>
-            </a:r>
-          </a:p>
-        </p:txBody>
-      </p:sp>
-      <p:sp>
-        <p:nvSpPr>
-          <p:cNvPr id="46" name="사각형: 둥근 모서리 45">
-            <a:extLst>
-              <a:ext uri="{FF2B5EF4-FFF2-40B4-BE49-F238E27FC236}">
-                <a16:creationId xmlns:a16="http://schemas.microsoft.com/office/drawing/2014/main" id="{5F3C6311-F2C6-4315-9113-EF62351628B1}"/>
+              <a:t>ACK</a:t>
+            </a:r>
+          </a:p>
+        </p:txBody>
+      </p:sp>
+      <p:sp>
+        <p:nvSpPr>
+          <p:cNvPr id="39" name="사각형: 둥근 모서리 38">
+            <a:extLst>
+              <a:ext uri="{FF2B5EF4-FFF2-40B4-BE49-F238E27FC236}">
+                <a16:creationId xmlns:a16="http://schemas.microsoft.com/office/drawing/2014/main" id="{86F49B2D-C5B5-4E39-965D-932B517D115F}"/>
               </a:ext>
             </a:extLst>
           </p:cNvPr>
@@ -7448,8 +7423,8 @@
         </p:nvSpPr>
         <p:spPr>
           <a:xfrm>
-            <a:off x="5231436" y="3498773"/>
-            <a:ext cx="1212772" cy="239182"/>
+            <a:off x="3570491" y="1556079"/>
+            <a:ext cx="947468" cy="239182"/>
           </a:xfrm>
           <a:prstGeom prst="roundRect">
             <a:avLst>
@@ -7481,22 +7456,18 @@
           <a:p>
             <a:pPr algn="ctr"/>
             <a:r>
-              <a:rPr lang="en-US" altLang="ko-KR" sz="1050">
-                <a:solidFill>
-                  <a:srgbClr val="C00000"/>
-                </a:solidFill>
-              </a:rPr>
-              <a:t>DROP</a:t>
-            </a:r>
-          </a:p>
-        </p:txBody>
-      </p:sp>
-      <p:sp>
-        <p:nvSpPr>
-          <p:cNvPr id="47" name="화살표: 아래쪽 46">
-            <a:extLst>
-              <a:ext uri="{FF2B5EF4-FFF2-40B4-BE49-F238E27FC236}">
-                <a16:creationId xmlns:a16="http://schemas.microsoft.com/office/drawing/2014/main" id="{3FA23AAA-77BD-4FE2-8E83-AF092CC4A089}"/>
+              <a:rPr lang="en-US" altLang="ko-KR" sz="900"/>
+              <a:t>FIN</a:t>
+            </a:r>
+          </a:p>
+        </p:txBody>
+      </p:sp>
+      <p:sp>
+        <p:nvSpPr>
+          <p:cNvPr id="40" name="사각형: 둥근 모서리 39">
+            <a:extLst>
+              <a:ext uri="{FF2B5EF4-FFF2-40B4-BE49-F238E27FC236}">
+                <a16:creationId xmlns:a16="http://schemas.microsoft.com/office/drawing/2014/main" id="{9A45173B-5819-4094-8ED5-78995F058E23}"/>
               </a:ext>
             </a:extLst>
           </p:cNvPr>
@@ -7505,33 +7476,83 @@
         </p:nvSpPr>
         <p:spPr>
           <a:xfrm>
-            <a:off x="3995936" y="2461640"/>
-            <a:ext cx="288032" cy="288034"/>
-          </a:xfrm>
-          <a:prstGeom prst="downArrow">
-            <a:avLst/>
-          </a:prstGeom>
-          <a:solidFill>
-            <a:schemeClr val="tx1"/>
-          </a:solidFill>
+            <a:off x="4498993" y="1768496"/>
+            <a:ext cx="947468" cy="239182"/>
+          </a:xfrm>
+          <a:prstGeom prst="roundRect">
+            <a:avLst>
+              <a:gd name="adj" fmla="val 0"/>
+            </a:avLst>
+          </a:prstGeom>
+          <a:noFill/>
           <a:ln>
             <a:noFill/>
           </a:ln>
         </p:spPr>
         <p:style>
           <a:lnRef idx="2">
-            <a:schemeClr val="accent1">
-              <a:shade val="50000"/>
-            </a:schemeClr>
+            <a:schemeClr val="dk1"/>
           </a:lnRef>
           <a:fillRef idx="1">
+            <a:schemeClr val="lt1"/>
+          </a:fillRef>
+          <a:effectRef idx="0">
+            <a:schemeClr val="dk1"/>
+          </a:effectRef>
+          <a:fontRef idx="minor">
+            <a:schemeClr val="dk1"/>
+          </a:fontRef>
+        </p:style>
+        <p:txBody>
+          <a:bodyPr rtlCol="0" anchor="ctr"/>
+          <a:lstStyle/>
+          <a:p>
+            <a:pPr algn="ctr"/>
+            <a:r>
+              <a:rPr lang="en-US" altLang="ko-KR" sz="900"/>
+              <a:t>ACK</a:t>
+            </a:r>
+          </a:p>
+        </p:txBody>
+      </p:sp>
+      <p:sp>
+        <p:nvSpPr>
+          <p:cNvPr id="6" name="왼쪽 중괄호 5">
+            <a:extLst>
+              <a:ext uri="{FF2B5EF4-FFF2-40B4-BE49-F238E27FC236}">
+                <a16:creationId xmlns:a16="http://schemas.microsoft.com/office/drawing/2014/main" id="{D0FE3EA8-E5A2-4E77-919D-D711059FDCC9}"/>
+              </a:ext>
+            </a:extLst>
+          </p:cNvPr>
+          <p:cNvSpPr/>
+          <p:nvPr/>
+        </p:nvSpPr>
+        <p:spPr>
+          <a:xfrm>
+            <a:off x="3273800" y="1816013"/>
+            <a:ext cx="148321" cy="342956"/>
+          </a:xfrm>
+          <a:prstGeom prst="leftBrace">
+            <a:avLst/>
+          </a:prstGeom>
+          <a:ln w="12700">
+            <a:solidFill>
+              <a:schemeClr val="tx1"/>
+            </a:solidFill>
+          </a:ln>
+        </p:spPr>
+        <p:style>
+          <a:lnRef idx="1">
             <a:schemeClr val="accent1"/>
-          </a:fillRef>
-          <a:effectRef idx="0">
+          </a:lnRef>
+          <a:fillRef idx="0">
             <a:schemeClr val="accent1"/>
-          </a:effectRef>
-          <a:fontRef idx="minor">
-            <a:schemeClr val="lt1"/>
+          </a:fillRef>
+          <a:effectRef idx="0">
+            <a:schemeClr val="accent1"/>
+          </a:effectRef>
+          <a:fontRef idx="minor">
+            <a:schemeClr val="tx1"/>
           </a:fontRef>
         </p:style>
         <p:txBody>
@@ -7543,12 +7564,114 @@
           </a:p>
         </p:txBody>
       </p:sp>
+      <p:sp>
+        <p:nvSpPr>
+          <p:cNvPr id="41" name="사각형: 둥근 모서리 40">
+            <a:extLst>
+              <a:ext uri="{FF2B5EF4-FFF2-40B4-BE49-F238E27FC236}">
+                <a16:creationId xmlns:a16="http://schemas.microsoft.com/office/drawing/2014/main" id="{DE281927-FE38-47B8-8CD7-4065A09D16C2}"/>
+              </a:ext>
+            </a:extLst>
+          </p:cNvPr>
+          <p:cNvSpPr/>
+          <p:nvPr/>
+        </p:nvSpPr>
+        <p:spPr>
+          <a:xfrm>
+            <a:off x="5591476" y="2245357"/>
+            <a:ext cx="1212772" cy="239182"/>
+          </a:xfrm>
+          <a:prstGeom prst="roundRect">
+            <a:avLst>
+              <a:gd name="adj" fmla="val 0"/>
+            </a:avLst>
+          </a:prstGeom>
+          <a:noFill/>
+          <a:ln>
+            <a:noFill/>
+          </a:ln>
+        </p:spPr>
+        <p:style>
+          <a:lnRef idx="2">
+            <a:schemeClr val="dk1"/>
+          </a:lnRef>
+          <a:fillRef idx="1">
+            <a:schemeClr val="lt1"/>
+          </a:fillRef>
+          <a:effectRef idx="0">
+            <a:schemeClr val="dk1"/>
+          </a:effectRef>
+          <a:fontRef idx="minor">
+            <a:schemeClr val="dk1"/>
+          </a:fontRef>
+        </p:style>
+        <p:txBody>
+          <a:bodyPr rtlCol="0" anchor="ctr"/>
+          <a:lstStyle/>
+          <a:p>
+            <a:pPr algn="ctr"/>
+            <a:r>
+              <a:rPr lang="en-US" altLang="ko-KR" sz="1050"/>
+              <a:t>LAST_ACK</a:t>
+            </a:r>
+          </a:p>
+        </p:txBody>
+      </p:sp>
+      <p:sp>
+        <p:nvSpPr>
+          <p:cNvPr id="42" name="왼쪽 중괄호 41">
+            <a:extLst>
+              <a:ext uri="{FF2B5EF4-FFF2-40B4-BE49-F238E27FC236}">
+                <a16:creationId xmlns:a16="http://schemas.microsoft.com/office/drawing/2014/main" id="{81D2B967-0B7B-4512-BBA8-38835004EB9F}"/>
+              </a:ext>
+            </a:extLst>
+          </p:cNvPr>
+          <p:cNvSpPr/>
+          <p:nvPr/>
+        </p:nvSpPr>
+        <p:spPr>
+          <a:xfrm rot="10800000">
+            <a:off x="5652119" y="1599989"/>
+            <a:ext cx="148313" cy="1555065"/>
+          </a:xfrm>
+          <a:prstGeom prst="leftBrace">
+            <a:avLst/>
+          </a:prstGeom>
+          <a:ln w="12700">
+            <a:solidFill>
+              <a:schemeClr val="tx1"/>
+            </a:solidFill>
+          </a:ln>
+        </p:spPr>
+        <p:style>
+          <a:lnRef idx="1">
+            <a:schemeClr val="accent1"/>
+          </a:lnRef>
+          <a:fillRef idx="0">
+            <a:schemeClr val="accent1"/>
+          </a:fillRef>
+          <a:effectRef idx="0">
+            <a:schemeClr val="accent1"/>
+          </a:effectRef>
+          <a:fontRef idx="minor">
+            <a:schemeClr val="tx1"/>
+          </a:fontRef>
+        </p:style>
+        <p:txBody>
+          <a:bodyPr rtlCol="0" anchor="ctr"/>
+          <a:lstStyle/>
+          <a:p>
+            <a:pPr algn="ctr"/>
+            <a:endParaRPr lang="ko-KR" altLang="en-US"/>
+          </a:p>
+        </p:txBody>
+      </p:sp>
       <p:cxnSp>
         <p:nvCxnSpPr>
-          <p:cNvPr id="48" name="직선 연결선 47">
-            <a:extLst>
-              <a:ext uri="{FF2B5EF4-FFF2-40B4-BE49-F238E27FC236}">
-                <a16:creationId xmlns:a16="http://schemas.microsoft.com/office/drawing/2014/main" id="{FF3644E8-F228-48E2-8452-24E875034A6F}"/>
+          <p:cNvPr id="43" name="직선 화살표 연결선 42">
+            <a:extLst>
+              <a:ext uri="{FF2B5EF4-FFF2-40B4-BE49-F238E27FC236}">
+                <a16:creationId xmlns:a16="http://schemas.microsoft.com/office/drawing/2014/main" id="{BBA3C2B7-D418-40CA-BC9C-CC50AE04EC9F}"/>
               </a:ext>
             </a:extLst>
           </p:cNvPr>
@@ -7558,15 +7681,16 @@
           <p:nvPr/>
         </p:nvCxnSpPr>
         <p:spPr>
-          <a:xfrm>
-            <a:off x="1041450" y="2605658"/>
-            <a:ext cx="7359586" cy="0"/>
-          </a:xfrm>
-          <a:prstGeom prst="line">
+          <a:xfrm flipH="1">
+            <a:off x="3422145" y="2715766"/>
+            <a:ext cx="2229976" cy="216024"/>
+          </a:xfrm>
+          <a:prstGeom prst="straightConnector1">
             <a:avLst/>
           </a:prstGeom>
-          <a:ln w="19050">
-            <a:prstDash val="dash"/>
+          <a:ln w="12700">
+            <a:headEnd type="none" w="med" len="med"/>
+            <a:tailEnd type="arrow" w="med" len="med"/>
           </a:ln>
         </p:spPr>
         <p:style>
@@ -7586,44 +7710,543 @@
       </p:cxnSp>
       <p:sp>
         <p:nvSpPr>
-          <p:cNvPr id="51" name="제목 1">
-            <a:extLst>
-              <a:ext uri="{FF2B5EF4-FFF2-40B4-BE49-F238E27FC236}">
-                <a16:creationId xmlns:a16="http://schemas.microsoft.com/office/drawing/2014/main" id="{FBBBD121-FDFC-40A8-AFE4-D6F3997BA52D}"/>
-              </a:ext>
-            </a:extLst>
-          </p:cNvPr>
-          <p:cNvSpPr>
-            <a:spLocks noGrp="1"/>
-          </p:cNvSpPr>
-          <p:nvPr>
-            <p:ph type="title"/>
-          </p:nvPr>
-        </p:nvSpPr>
-        <p:spPr>
-          <a:xfrm>
-            <a:off x="457200" y="-92546"/>
-            <a:ext cx="8229600" cy="720080"/>
-          </a:xfrm>
-        </p:spPr>
-        <p:txBody>
-          <a:bodyPr>
-            <a:normAutofit/>
-          </a:bodyPr>
-          <a:lstStyle/>
-          <a:p>
-            <a:r>
-              <a:rPr lang="en-US" altLang="ko-KR" sz="3600"/>
-              <a:t>SYN Packet Drop</a:t>
-            </a:r>
-            <a:endParaRPr lang="ko-KR" altLang="en-US" sz="3600" dirty="0"/>
+          <p:cNvPr id="44" name="사각형: 둥근 모서리 43">
+            <a:extLst>
+              <a:ext uri="{FF2B5EF4-FFF2-40B4-BE49-F238E27FC236}">
+                <a16:creationId xmlns:a16="http://schemas.microsoft.com/office/drawing/2014/main" id="{8748D167-747B-4635-879A-F0C84A07F653}"/>
+              </a:ext>
+            </a:extLst>
+          </p:cNvPr>
+          <p:cNvSpPr/>
+          <p:nvPr/>
+        </p:nvSpPr>
+        <p:spPr>
+          <a:xfrm>
+            <a:off x="3570491" y="2644226"/>
+            <a:ext cx="947468" cy="239182"/>
+          </a:xfrm>
+          <a:prstGeom prst="roundRect">
+            <a:avLst>
+              <a:gd name="adj" fmla="val 0"/>
+            </a:avLst>
+          </a:prstGeom>
+          <a:noFill/>
+          <a:ln>
+            <a:noFill/>
+          </a:ln>
+        </p:spPr>
+        <p:style>
+          <a:lnRef idx="2">
+            <a:schemeClr val="dk1"/>
+          </a:lnRef>
+          <a:fillRef idx="1">
+            <a:schemeClr val="lt1"/>
+          </a:fillRef>
+          <a:effectRef idx="0">
+            <a:schemeClr val="dk1"/>
+          </a:effectRef>
+          <a:fontRef idx="minor">
+            <a:schemeClr val="dk1"/>
+          </a:fontRef>
+        </p:style>
+        <p:txBody>
+          <a:bodyPr rtlCol="0" anchor="ctr"/>
+          <a:lstStyle/>
+          <a:p>
+            <a:pPr algn="ctr"/>
+            <a:r>
+              <a:rPr lang="en-US" altLang="ko-KR" sz="900"/>
+              <a:t>FIN</a:t>
+            </a:r>
+          </a:p>
+        </p:txBody>
+      </p:sp>
+      <p:sp>
+        <p:nvSpPr>
+          <p:cNvPr id="25" name="왼쪽 중괄호 24">
+            <a:extLst>
+              <a:ext uri="{FF2B5EF4-FFF2-40B4-BE49-F238E27FC236}">
+                <a16:creationId xmlns:a16="http://schemas.microsoft.com/office/drawing/2014/main" id="{C447820F-463B-4BFE-8D80-C3A63B5F7103}"/>
+              </a:ext>
+            </a:extLst>
+          </p:cNvPr>
+          <p:cNvSpPr/>
+          <p:nvPr/>
+        </p:nvSpPr>
+        <p:spPr>
+          <a:xfrm>
+            <a:off x="3273801" y="2287978"/>
+            <a:ext cx="148259" cy="867075"/>
+          </a:xfrm>
+          <a:prstGeom prst="leftBrace">
+            <a:avLst/>
+          </a:prstGeom>
+          <a:ln w="12700">
+            <a:solidFill>
+              <a:schemeClr val="tx1"/>
+            </a:solidFill>
+          </a:ln>
+        </p:spPr>
+        <p:style>
+          <a:lnRef idx="1">
+            <a:schemeClr val="accent1"/>
+          </a:lnRef>
+          <a:fillRef idx="0">
+            <a:schemeClr val="accent1"/>
+          </a:fillRef>
+          <a:effectRef idx="0">
+            <a:schemeClr val="accent1"/>
+          </a:effectRef>
+          <a:fontRef idx="minor">
+            <a:schemeClr val="tx1"/>
+          </a:fontRef>
+        </p:style>
+        <p:txBody>
+          <a:bodyPr rtlCol="0" anchor="ctr"/>
+          <a:lstStyle/>
+          <a:p>
+            <a:pPr algn="ctr"/>
+            <a:endParaRPr lang="ko-KR" altLang="en-US"/>
+          </a:p>
+        </p:txBody>
+      </p:sp>
+      <p:sp>
+        <p:nvSpPr>
+          <p:cNvPr id="28" name="사각형: 둥근 모서리 27">
+            <a:extLst>
+              <a:ext uri="{FF2B5EF4-FFF2-40B4-BE49-F238E27FC236}">
+                <a16:creationId xmlns:a16="http://schemas.microsoft.com/office/drawing/2014/main" id="{F1E3D345-5F80-489A-8B1E-65C13D08C63B}"/>
+              </a:ext>
+            </a:extLst>
+          </p:cNvPr>
+          <p:cNvSpPr/>
+          <p:nvPr/>
+        </p:nvSpPr>
+        <p:spPr>
+          <a:xfrm>
+            <a:off x="2272348" y="2594045"/>
+            <a:ext cx="1291540" cy="239182"/>
+          </a:xfrm>
+          <a:prstGeom prst="roundRect">
+            <a:avLst>
+              <a:gd name="adj" fmla="val 0"/>
+            </a:avLst>
+          </a:prstGeom>
+          <a:noFill/>
+          <a:ln>
+            <a:noFill/>
+          </a:ln>
+        </p:spPr>
+        <p:style>
+          <a:lnRef idx="2">
+            <a:schemeClr val="dk1"/>
+          </a:lnRef>
+          <a:fillRef idx="1">
+            <a:schemeClr val="lt1"/>
+          </a:fillRef>
+          <a:effectRef idx="0">
+            <a:schemeClr val="dk1"/>
+          </a:effectRef>
+          <a:fontRef idx="minor">
+            <a:schemeClr val="dk1"/>
+          </a:fontRef>
+        </p:style>
+        <p:txBody>
+          <a:bodyPr rtlCol="0" anchor="ctr"/>
+          <a:lstStyle/>
+          <a:p>
+            <a:pPr algn="ctr"/>
+            <a:r>
+              <a:rPr lang="en-US" altLang="ko-KR" sz="1050"/>
+              <a:t>SYN-SENT</a:t>
+            </a:r>
+          </a:p>
+        </p:txBody>
+      </p:sp>
+      <p:cxnSp>
+        <p:nvCxnSpPr>
+          <p:cNvPr id="29" name="직선 화살표 연결선 28">
+            <a:extLst>
+              <a:ext uri="{FF2B5EF4-FFF2-40B4-BE49-F238E27FC236}">
+                <a16:creationId xmlns:a16="http://schemas.microsoft.com/office/drawing/2014/main" id="{18D8F24F-C2A0-488E-9A56-F4552A9A6C30}"/>
+              </a:ext>
+            </a:extLst>
+          </p:cNvPr>
+          <p:cNvCxnSpPr>
+            <a:cxnSpLocks/>
+          </p:cNvCxnSpPr>
+          <p:nvPr/>
+        </p:nvCxnSpPr>
+        <p:spPr>
+          <a:xfrm>
+            <a:off x="3422145" y="2939039"/>
+            <a:ext cx="2229976" cy="216024"/>
+          </a:xfrm>
+          <a:prstGeom prst="straightConnector1">
+            <a:avLst/>
+          </a:prstGeom>
+          <a:ln w="12700">
+            <a:headEnd type="none" w="med" len="med"/>
+            <a:tailEnd type="arrow" w="med" len="med"/>
+          </a:ln>
+        </p:spPr>
+        <p:style>
+          <a:lnRef idx="1">
+            <a:schemeClr val="dk1"/>
+          </a:lnRef>
+          <a:fillRef idx="0">
+            <a:schemeClr val="dk1"/>
+          </a:fillRef>
+          <a:effectRef idx="0">
+            <a:schemeClr val="dk1"/>
+          </a:effectRef>
+          <a:fontRef idx="minor">
+            <a:schemeClr val="tx1"/>
+          </a:fontRef>
+        </p:style>
+      </p:cxnSp>
+      <p:sp>
+        <p:nvSpPr>
+          <p:cNvPr id="30" name="사각형: 둥근 모서리 29">
+            <a:extLst>
+              <a:ext uri="{FF2B5EF4-FFF2-40B4-BE49-F238E27FC236}">
+                <a16:creationId xmlns:a16="http://schemas.microsoft.com/office/drawing/2014/main" id="{A57D3A2B-A630-4DF2-A975-2D672096BA78}"/>
+              </a:ext>
+            </a:extLst>
+          </p:cNvPr>
+          <p:cNvSpPr/>
+          <p:nvPr/>
+        </p:nvSpPr>
+        <p:spPr>
+          <a:xfrm>
+            <a:off x="4498993" y="2847241"/>
+            <a:ext cx="947468" cy="239182"/>
+          </a:xfrm>
+          <a:prstGeom prst="roundRect">
+            <a:avLst>
+              <a:gd name="adj" fmla="val 0"/>
+            </a:avLst>
+          </a:prstGeom>
+          <a:noFill/>
+          <a:ln>
+            <a:noFill/>
+          </a:ln>
+        </p:spPr>
+        <p:style>
+          <a:lnRef idx="2">
+            <a:schemeClr val="dk1"/>
+          </a:lnRef>
+          <a:fillRef idx="1">
+            <a:schemeClr val="lt1"/>
+          </a:fillRef>
+          <a:effectRef idx="0">
+            <a:schemeClr val="dk1"/>
+          </a:effectRef>
+          <a:fontRef idx="minor">
+            <a:schemeClr val="dk1"/>
+          </a:fontRef>
+        </p:style>
+        <p:txBody>
+          <a:bodyPr rtlCol="0" anchor="ctr"/>
+          <a:lstStyle/>
+          <a:p>
+            <a:pPr algn="ctr"/>
+            <a:r>
+              <a:rPr lang="en-US" altLang="ko-KR" sz="900"/>
+              <a:t>RST</a:t>
+            </a:r>
+          </a:p>
+        </p:txBody>
+      </p:sp>
+      <p:cxnSp>
+        <p:nvCxnSpPr>
+          <p:cNvPr id="31" name="직선 화살표 연결선 30">
+            <a:extLst>
+              <a:ext uri="{FF2B5EF4-FFF2-40B4-BE49-F238E27FC236}">
+                <a16:creationId xmlns:a16="http://schemas.microsoft.com/office/drawing/2014/main" id="{C5781DF7-A1E0-4265-9927-EA5A8A2B6B06}"/>
+              </a:ext>
+            </a:extLst>
+          </p:cNvPr>
+          <p:cNvCxnSpPr>
+            <a:cxnSpLocks/>
+          </p:cNvCxnSpPr>
+          <p:nvPr/>
+        </p:nvCxnSpPr>
+        <p:spPr>
+          <a:xfrm>
+            <a:off x="3422145" y="3155053"/>
+            <a:ext cx="2229976" cy="216024"/>
+          </a:xfrm>
+          <a:prstGeom prst="straightConnector1">
+            <a:avLst/>
+          </a:prstGeom>
+          <a:ln w="12700">
+            <a:headEnd type="none" w="med" len="med"/>
+            <a:tailEnd type="arrow" w="med" len="med"/>
+          </a:ln>
+        </p:spPr>
+        <p:style>
+          <a:lnRef idx="1">
+            <a:schemeClr val="dk1"/>
+          </a:lnRef>
+          <a:fillRef idx="0">
+            <a:schemeClr val="dk1"/>
+          </a:fillRef>
+          <a:effectRef idx="0">
+            <a:schemeClr val="dk1"/>
+          </a:effectRef>
+          <a:fontRef idx="minor">
+            <a:schemeClr val="tx1"/>
+          </a:fontRef>
+        </p:style>
+      </p:cxnSp>
+      <p:sp>
+        <p:nvSpPr>
+          <p:cNvPr id="32" name="사각형: 둥근 모서리 31">
+            <a:extLst>
+              <a:ext uri="{FF2B5EF4-FFF2-40B4-BE49-F238E27FC236}">
+                <a16:creationId xmlns:a16="http://schemas.microsoft.com/office/drawing/2014/main" id="{50A6BBA3-B2A8-49A8-9F18-B3E9A5B1274A}"/>
+              </a:ext>
+            </a:extLst>
+          </p:cNvPr>
+          <p:cNvSpPr/>
+          <p:nvPr/>
+        </p:nvSpPr>
+        <p:spPr>
+          <a:xfrm>
+            <a:off x="4498993" y="3063255"/>
+            <a:ext cx="947468" cy="239182"/>
+          </a:xfrm>
+          <a:prstGeom prst="roundRect">
+            <a:avLst>
+              <a:gd name="adj" fmla="val 0"/>
+            </a:avLst>
+          </a:prstGeom>
+          <a:noFill/>
+          <a:ln>
+            <a:noFill/>
+          </a:ln>
+        </p:spPr>
+        <p:style>
+          <a:lnRef idx="2">
+            <a:schemeClr val="dk1"/>
+          </a:lnRef>
+          <a:fillRef idx="1">
+            <a:schemeClr val="lt1"/>
+          </a:fillRef>
+          <a:effectRef idx="0">
+            <a:schemeClr val="dk1"/>
+          </a:effectRef>
+          <a:fontRef idx="minor">
+            <a:schemeClr val="dk1"/>
+          </a:fontRef>
+        </p:style>
+        <p:txBody>
+          <a:bodyPr rtlCol="0" anchor="ctr"/>
+          <a:lstStyle/>
+          <a:p>
+            <a:pPr algn="ctr"/>
+            <a:r>
+              <a:rPr lang="en-US" altLang="ko-KR" sz="900"/>
+              <a:t>SYN</a:t>
+            </a:r>
+          </a:p>
+        </p:txBody>
+      </p:sp>
+      <p:cxnSp>
+        <p:nvCxnSpPr>
+          <p:cNvPr id="35" name="직선 화살표 연결선 34">
+            <a:extLst>
+              <a:ext uri="{FF2B5EF4-FFF2-40B4-BE49-F238E27FC236}">
+                <a16:creationId xmlns:a16="http://schemas.microsoft.com/office/drawing/2014/main" id="{9C606AA4-8A8C-41FF-9C60-EB25FB6FD1A0}"/>
+              </a:ext>
+            </a:extLst>
+          </p:cNvPr>
+          <p:cNvCxnSpPr>
+            <a:cxnSpLocks/>
+          </p:cNvCxnSpPr>
+          <p:nvPr/>
+        </p:nvCxnSpPr>
+        <p:spPr>
+          <a:xfrm flipH="1">
+            <a:off x="3422145" y="3364073"/>
+            <a:ext cx="2229976" cy="216024"/>
+          </a:xfrm>
+          <a:prstGeom prst="straightConnector1">
+            <a:avLst/>
+          </a:prstGeom>
+          <a:ln w="12700">
+            <a:headEnd type="none" w="med" len="med"/>
+            <a:tailEnd type="arrow" w="med" len="med"/>
+          </a:ln>
+        </p:spPr>
+        <p:style>
+          <a:lnRef idx="1">
+            <a:schemeClr val="dk1"/>
+          </a:lnRef>
+          <a:fillRef idx="0">
+            <a:schemeClr val="dk1"/>
+          </a:fillRef>
+          <a:effectRef idx="0">
+            <a:schemeClr val="dk1"/>
+          </a:effectRef>
+          <a:fontRef idx="minor">
+            <a:schemeClr val="tx1"/>
+          </a:fontRef>
+        </p:style>
+      </p:cxnSp>
+      <p:sp>
+        <p:nvSpPr>
+          <p:cNvPr id="45" name="사각형: 둥근 모서리 44">
+            <a:extLst>
+              <a:ext uri="{FF2B5EF4-FFF2-40B4-BE49-F238E27FC236}">
+                <a16:creationId xmlns:a16="http://schemas.microsoft.com/office/drawing/2014/main" id="{A77D1129-F38E-4C2A-80C1-0D4A32D9EC2D}"/>
+              </a:ext>
+            </a:extLst>
+          </p:cNvPr>
+          <p:cNvSpPr/>
+          <p:nvPr/>
+        </p:nvSpPr>
+        <p:spPr>
+          <a:xfrm>
+            <a:off x="3570491" y="3292533"/>
+            <a:ext cx="947468" cy="239182"/>
+          </a:xfrm>
+          <a:prstGeom prst="roundRect">
+            <a:avLst>
+              <a:gd name="adj" fmla="val 0"/>
+            </a:avLst>
+          </a:prstGeom>
+          <a:noFill/>
+          <a:ln>
+            <a:noFill/>
+          </a:ln>
+        </p:spPr>
+        <p:style>
+          <a:lnRef idx="2">
+            <a:schemeClr val="dk1"/>
+          </a:lnRef>
+          <a:fillRef idx="1">
+            <a:schemeClr val="lt1"/>
+          </a:fillRef>
+          <a:effectRef idx="0">
+            <a:schemeClr val="dk1"/>
+          </a:effectRef>
+          <a:fontRef idx="minor">
+            <a:schemeClr val="dk1"/>
+          </a:fontRef>
+        </p:style>
+        <p:txBody>
+          <a:bodyPr rtlCol="0" anchor="ctr"/>
+          <a:lstStyle/>
+          <a:p>
+            <a:pPr algn="ctr"/>
+            <a:r>
+              <a:rPr lang="en-US" altLang="ko-KR" sz="900"/>
+              <a:t>SYN + ACK</a:t>
+            </a:r>
+          </a:p>
+        </p:txBody>
+      </p:sp>
+      <p:cxnSp>
+        <p:nvCxnSpPr>
+          <p:cNvPr id="46" name="직선 화살표 연결선 45">
+            <a:extLst>
+              <a:ext uri="{FF2B5EF4-FFF2-40B4-BE49-F238E27FC236}">
+                <a16:creationId xmlns:a16="http://schemas.microsoft.com/office/drawing/2014/main" id="{74B86981-5664-4F4E-A069-B13436F59B00}"/>
+              </a:ext>
+            </a:extLst>
+          </p:cNvPr>
+          <p:cNvCxnSpPr>
+            <a:cxnSpLocks/>
+          </p:cNvCxnSpPr>
+          <p:nvPr/>
+        </p:nvCxnSpPr>
+        <p:spPr>
+          <a:xfrm>
+            <a:off x="3422145" y="3581188"/>
+            <a:ext cx="2229976" cy="216024"/>
+          </a:xfrm>
+          <a:prstGeom prst="straightConnector1">
+            <a:avLst/>
+          </a:prstGeom>
+          <a:ln w="12700">
+            <a:headEnd type="none" w="med" len="med"/>
+            <a:tailEnd type="arrow" w="med" len="med"/>
+          </a:ln>
+        </p:spPr>
+        <p:style>
+          <a:lnRef idx="1">
+            <a:schemeClr val="dk1"/>
+          </a:lnRef>
+          <a:fillRef idx="0">
+            <a:schemeClr val="dk1"/>
+          </a:fillRef>
+          <a:effectRef idx="0">
+            <a:schemeClr val="dk1"/>
+          </a:effectRef>
+          <a:fontRef idx="minor">
+            <a:schemeClr val="tx1"/>
+          </a:fontRef>
+        </p:style>
+      </p:cxnSp>
+      <p:sp>
+        <p:nvSpPr>
+          <p:cNvPr id="47" name="사각형: 둥근 모서리 46">
+            <a:extLst>
+              <a:ext uri="{FF2B5EF4-FFF2-40B4-BE49-F238E27FC236}">
+                <a16:creationId xmlns:a16="http://schemas.microsoft.com/office/drawing/2014/main" id="{2F621624-B670-423A-8A20-2D9F34B8F4F2}"/>
+              </a:ext>
+            </a:extLst>
+          </p:cNvPr>
+          <p:cNvSpPr/>
+          <p:nvPr/>
+        </p:nvSpPr>
+        <p:spPr>
+          <a:xfrm>
+            <a:off x="4498993" y="3489390"/>
+            <a:ext cx="947468" cy="239182"/>
+          </a:xfrm>
+          <a:prstGeom prst="roundRect">
+            <a:avLst>
+              <a:gd name="adj" fmla="val 0"/>
+            </a:avLst>
+          </a:prstGeom>
+          <a:noFill/>
+          <a:ln>
+            <a:noFill/>
+          </a:ln>
+        </p:spPr>
+        <p:style>
+          <a:lnRef idx="2">
+            <a:schemeClr val="dk1"/>
+          </a:lnRef>
+          <a:fillRef idx="1">
+            <a:schemeClr val="lt1"/>
+          </a:fillRef>
+          <a:effectRef idx="0">
+            <a:schemeClr val="dk1"/>
+          </a:effectRef>
+          <a:fontRef idx="minor">
+            <a:schemeClr val="dk1"/>
+          </a:fontRef>
+        </p:style>
+        <p:txBody>
+          <a:bodyPr rtlCol="0" anchor="ctr"/>
+          <a:lstStyle/>
+          <a:p>
+            <a:pPr algn="ctr"/>
+            <a:r>
+              <a:rPr lang="en-US" altLang="ko-KR" sz="900"/>
+              <a:t>ACK</a:t>
+            </a:r>
           </a:p>
         </p:txBody>
       </p:sp>
     </p:spTree>
     <p:extLst>
       <p:ext uri="{BB962C8B-B14F-4D97-AF65-F5344CB8AC3E}">
-        <p14:creationId xmlns:p14="http://schemas.microsoft.com/office/powerpoint/2010/main" val="926714250"/>
+        <p14:creationId xmlns:p14="http://schemas.microsoft.com/office/powerpoint/2010/main" val="2645203708"/>
       </p:ext>
     </p:extLst>
   </p:cSld>
@@ -7652,10 +8275,1161 @@
       </p:grpSpPr>
       <p:sp>
         <p:nvSpPr>
-          <p:cNvPr id="2" name="제목 1">
-            <a:extLst>
-              <a:ext uri="{FF2B5EF4-FFF2-40B4-BE49-F238E27FC236}">
-                <a16:creationId xmlns:a16="http://schemas.microsoft.com/office/drawing/2014/main" id="{0E8F3D1A-C666-484D-9348-C9655D6C448B}"/>
+          <p:cNvPr id="3" name="사각형: 둥근 모서리 2">
+            <a:extLst>
+              <a:ext uri="{FF2B5EF4-FFF2-40B4-BE49-F238E27FC236}">
+                <a16:creationId xmlns:a16="http://schemas.microsoft.com/office/drawing/2014/main" id="{9F86ECB6-AC36-4306-BFF1-3E4718239FE7}"/>
+              </a:ext>
+            </a:extLst>
+          </p:cNvPr>
+          <p:cNvSpPr/>
+          <p:nvPr/>
+        </p:nvSpPr>
+        <p:spPr>
+          <a:xfrm>
+            <a:off x="1187624" y="987574"/>
+            <a:ext cx="1008112" cy="504056"/>
+          </a:xfrm>
+          <a:prstGeom prst="roundRect">
+            <a:avLst>
+              <a:gd name="adj" fmla="val 9490"/>
+            </a:avLst>
+          </a:prstGeom>
+        </p:spPr>
+        <p:style>
+          <a:lnRef idx="2">
+            <a:schemeClr val="dk1"/>
+          </a:lnRef>
+          <a:fillRef idx="1">
+            <a:schemeClr val="lt1"/>
+          </a:fillRef>
+          <a:effectRef idx="0">
+            <a:schemeClr val="dk1"/>
+          </a:effectRef>
+          <a:fontRef idx="minor">
+            <a:schemeClr val="dk1"/>
+          </a:fontRef>
+        </p:style>
+        <p:txBody>
+          <a:bodyPr rtlCol="0" anchor="ctr"/>
+          <a:lstStyle/>
+          <a:p>
+            <a:pPr algn="ctr"/>
+            <a:r>
+              <a:rPr lang="en-US" altLang="ko-KR" sz="1200"/>
+              <a:t>10.0.0.10</a:t>
+            </a:r>
+          </a:p>
+          <a:p>
+            <a:pPr algn="ctr"/>
+            <a:r>
+              <a:rPr lang="en-US" altLang="ko-KR" sz="1200"/>
+              <a:t>Client A</a:t>
+            </a:r>
+          </a:p>
+        </p:txBody>
+      </p:sp>
+      <p:sp>
+        <p:nvSpPr>
+          <p:cNvPr id="7" name="사각형: 둥근 모서리 6">
+            <a:extLst>
+              <a:ext uri="{FF2B5EF4-FFF2-40B4-BE49-F238E27FC236}">
+                <a16:creationId xmlns:a16="http://schemas.microsoft.com/office/drawing/2014/main" id="{E1ED4128-6524-464C-9974-B7024527D134}"/>
+              </a:ext>
+            </a:extLst>
+          </p:cNvPr>
+          <p:cNvSpPr/>
+          <p:nvPr/>
+        </p:nvSpPr>
+        <p:spPr>
+          <a:xfrm>
+            <a:off x="1187624" y="1887674"/>
+            <a:ext cx="1008112" cy="504056"/>
+          </a:xfrm>
+          <a:prstGeom prst="roundRect">
+            <a:avLst>
+              <a:gd name="adj" fmla="val 9490"/>
+            </a:avLst>
+          </a:prstGeom>
+        </p:spPr>
+        <p:style>
+          <a:lnRef idx="2">
+            <a:schemeClr val="dk1"/>
+          </a:lnRef>
+          <a:fillRef idx="1">
+            <a:schemeClr val="lt1"/>
+          </a:fillRef>
+          <a:effectRef idx="0">
+            <a:schemeClr val="dk1"/>
+          </a:effectRef>
+          <a:fontRef idx="minor">
+            <a:schemeClr val="dk1"/>
+          </a:fontRef>
+        </p:style>
+        <p:txBody>
+          <a:bodyPr rtlCol="0" anchor="ctr"/>
+          <a:lstStyle/>
+          <a:p>
+            <a:pPr algn="ctr"/>
+            <a:r>
+              <a:rPr lang="en-US" altLang="ko-KR" sz="1200"/>
+              <a:t>10.0.0.20</a:t>
+            </a:r>
+          </a:p>
+          <a:p>
+            <a:pPr algn="ctr"/>
+            <a:r>
+              <a:rPr lang="en-US" altLang="ko-KR" sz="1200"/>
+              <a:t>Client B</a:t>
+            </a:r>
+          </a:p>
+        </p:txBody>
+      </p:sp>
+      <p:sp>
+        <p:nvSpPr>
+          <p:cNvPr id="8" name="사각형: 둥근 모서리 7">
+            <a:extLst>
+              <a:ext uri="{FF2B5EF4-FFF2-40B4-BE49-F238E27FC236}">
+                <a16:creationId xmlns:a16="http://schemas.microsoft.com/office/drawing/2014/main" id="{C689FE00-0672-4697-B5CE-A2C8CA849913}"/>
+              </a:ext>
+            </a:extLst>
+          </p:cNvPr>
+          <p:cNvSpPr/>
+          <p:nvPr/>
+        </p:nvSpPr>
+        <p:spPr>
+          <a:xfrm>
+            <a:off x="3635896" y="1419622"/>
+            <a:ext cx="1008112" cy="504056"/>
+          </a:xfrm>
+          <a:prstGeom prst="roundRect">
+            <a:avLst>
+              <a:gd name="adj" fmla="val 9490"/>
+            </a:avLst>
+          </a:prstGeom>
+        </p:spPr>
+        <p:style>
+          <a:lnRef idx="2">
+            <a:schemeClr val="dk1"/>
+          </a:lnRef>
+          <a:fillRef idx="1">
+            <a:schemeClr val="lt1"/>
+          </a:fillRef>
+          <a:effectRef idx="0">
+            <a:schemeClr val="dk1"/>
+          </a:effectRef>
+          <a:fontRef idx="minor">
+            <a:schemeClr val="dk1"/>
+          </a:fontRef>
+        </p:style>
+        <p:txBody>
+          <a:bodyPr rtlCol="0" anchor="ctr"/>
+          <a:lstStyle/>
+          <a:p>
+            <a:pPr algn="ctr"/>
+            <a:r>
+              <a:rPr lang="en-US" altLang="ko-KR" sz="1200"/>
+              <a:t>Gateway</a:t>
+            </a:r>
+          </a:p>
+          <a:p>
+            <a:pPr algn="ctr"/>
+            <a:r>
+              <a:rPr lang="en-US" altLang="ko-KR" sz="1200"/>
+              <a:t>(SNAT)</a:t>
+            </a:r>
+          </a:p>
+        </p:txBody>
+      </p:sp>
+      <p:sp>
+        <p:nvSpPr>
+          <p:cNvPr id="9" name="사각형: 둥근 모서리 8">
+            <a:extLst>
+              <a:ext uri="{FF2B5EF4-FFF2-40B4-BE49-F238E27FC236}">
+                <a16:creationId xmlns:a16="http://schemas.microsoft.com/office/drawing/2014/main" id="{A57E2AAB-D959-4B8D-96F5-E56BCE807876}"/>
+              </a:ext>
+            </a:extLst>
+          </p:cNvPr>
+          <p:cNvSpPr/>
+          <p:nvPr/>
+        </p:nvSpPr>
+        <p:spPr>
+          <a:xfrm>
+            <a:off x="6084168" y="1419622"/>
+            <a:ext cx="1008112" cy="504056"/>
+          </a:xfrm>
+          <a:prstGeom prst="roundRect">
+            <a:avLst>
+              <a:gd name="adj" fmla="val 9490"/>
+            </a:avLst>
+          </a:prstGeom>
+        </p:spPr>
+        <p:style>
+          <a:lnRef idx="2">
+            <a:schemeClr val="dk1"/>
+          </a:lnRef>
+          <a:fillRef idx="1">
+            <a:schemeClr val="lt1"/>
+          </a:fillRef>
+          <a:effectRef idx="0">
+            <a:schemeClr val="dk1"/>
+          </a:effectRef>
+          <a:fontRef idx="minor">
+            <a:schemeClr val="dk1"/>
+          </a:fontRef>
+        </p:style>
+        <p:txBody>
+          <a:bodyPr rtlCol="0" anchor="ctr"/>
+          <a:lstStyle/>
+          <a:p>
+            <a:pPr algn="ctr"/>
+            <a:r>
+              <a:rPr lang="en-US" altLang="ko-KR" sz="1200"/>
+              <a:t>Server</a:t>
+            </a:r>
+          </a:p>
+        </p:txBody>
+      </p:sp>
+      <p:cxnSp>
+        <p:nvCxnSpPr>
+          <p:cNvPr id="10" name="직선 화살표 연결선 9">
+            <a:extLst>
+              <a:ext uri="{FF2B5EF4-FFF2-40B4-BE49-F238E27FC236}">
+                <a16:creationId xmlns:a16="http://schemas.microsoft.com/office/drawing/2014/main" id="{7AD3237B-0095-4961-8466-99BF598256E3}"/>
+              </a:ext>
+            </a:extLst>
+          </p:cNvPr>
+          <p:cNvCxnSpPr>
+            <a:cxnSpLocks/>
+            <a:stCxn id="3" idx="3"/>
+            <a:endCxn id="8" idx="1"/>
+          </p:cNvCxnSpPr>
+          <p:nvPr/>
+        </p:nvCxnSpPr>
+        <p:spPr>
+          <a:xfrm>
+            <a:off x="2195736" y="1239602"/>
+            <a:ext cx="1440160" cy="432048"/>
+          </a:xfrm>
+          <a:prstGeom prst="straightConnector1">
+            <a:avLst/>
+          </a:prstGeom>
+          <a:ln w="12700">
+            <a:headEnd type="none" w="med" len="med"/>
+            <a:tailEnd type="arrow" w="med" len="med"/>
+          </a:ln>
+        </p:spPr>
+        <p:style>
+          <a:lnRef idx="1">
+            <a:schemeClr val="dk1"/>
+          </a:lnRef>
+          <a:fillRef idx="0">
+            <a:schemeClr val="dk1"/>
+          </a:fillRef>
+          <a:effectRef idx="0">
+            <a:schemeClr val="dk1"/>
+          </a:effectRef>
+          <a:fontRef idx="minor">
+            <a:schemeClr val="tx1"/>
+          </a:fontRef>
+        </p:style>
+      </p:cxnSp>
+      <p:cxnSp>
+        <p:nvCxnSpPr>
+          <p:cNvPr id="16" name="직선 화살표 연결선 15">
+            <a:extLst>
+              <a:ext uri="{FF2B5EF4-FFF2-40B4-BE49-F238E27FC236}">
+                <a16:creationId xmlns:a16="http://schemas.microsoft.com/office/drawing/2014/main" id="{CEAAD731-B270-42E7-A8A5-21F442E07D6C}"/>
+              </a:ext>
+            </a:extLst>
+          </p:cNvPr>
+          <p:cNvCxnSpPr>
+            <a:cxnSpLocks/>
+            <a:stCxn id="8" idx="3"/>
+            <a:endCxn id="9" idx="1"/>
+          </p:cNvCxnSpPr>
+          <p:nvPr/>
+        </p:nvCxnSpPr>
+        <p:spPr>
+          <a:xfrm>
+            <a:off x="4644008" y="1671650"/>
+            <a:ext cx="1440160" cy="0"/>
+          </a:xfrm>
+          <a:prstGeom prst="straightConnector1">
+            <a:avLst/>
+          </a:prstGeom>
+          <a:ln w="12700">
+            <a:headEnd type="none" w="med" len="med"/>
+            <a:tailEnd type="arrow" w="med" len="med"/>
+          </a:ln>
+        </p:spPr>
+        <p:style>
+          <a:lnRef idx="1">
+            <a:schemeClr val="dk1"/>
+          </a:lnRef>
+          <a:fillRef idx="0">
+            <a:schemeClr val="dk1"/>
+          </a:fillRef>
+          <a:effectRef idx="0">
+            <a:schemeClr val="dk1"/>
+          </a:effectRef>
+          <a:fontRef idx="minor">
+            <a:schemeClr val="tx1"/>
+          </a:fontRef>
+        </p:style>
+      </p:cxnSp>
+      <p:sp>
+        <p:nvSpPr>
+          <p:cNvPr id="24" name="사각형: 둥근 모서리 23">
+            <a:extLst>
+              <a:ext uri="{FF2B5EF4-FFF2-40B4-BE49-F238E27FC236}">
+                <a16:creationId xmlns:a16="http://schemas.microsoft.com/office/drawing/2014/main" id="{5F00D9C9-AADE-437B-B1C0-9988F4E2428F}"/>
+              </a:ext>
+            </a:extLst>
+          </p:cNvPr>
+          <p:cNvSpPr/>
+          <p:nvPr/>
+        </p:nvSpPr>
+        <p:spPr>
+          <a:xfrm>
+            <a:off x="2339752" y="987574"/>
+            <a:ext cx="1152128" cy="401039"/>
+          </a:xfrm>
+          <a:prstGeom prst="roundRect">
+            <a:avLst>
+              <a:gd name="adj" fmla="val 0"/>
+            </a:avLst>
+          </a:prstGeom>
+          <a:noFill/>
+          <a:ln>
+            <a:noFill/>
+          </a:ln>
+        </p:spPr>
+        <p:style>
+          <a:lnRef idx="2">
+            <a:schemeClr val="dk1"/>
+          </a:lnRef>
+          <a:fillRef idx="1">
+            <a:schemeClr val="lt1"/>
+          </a:fillRef>
+          <a:effectRef idx="0">
+            <a:schemeClr val="dk1"/>
+          </a:effectRef>
+          <a:fontRef idx="minor">
+            <a:schemeClr val="dk1"/>
+          </a:fontRef>
+        </p:style>
+        <p:txBody>
+          <a:bodyPr rtlCol="0" anchor="ctr"/>
+          <a:lstStyle/>
+          <a:p>
+            <a:pPr algn="ctr"/>
+            <a:r>
+              <a:rPr lang="en-US" altLang="ko-KR" sz="900"/>
+              <a:t>Src IP : 10.0.0.10</a:t>
+            </a:r>
+          </a:p>
+          <a:p>
+            <a:pPr algn="ctr"/>
+            <a:r>
+              <a:rPr lang="en-US" altLang="ko-KR" sz="900"/>
+              <a:t>Src Port : 10000 TS : 200</a:t>
+            </a:r>
+          </a:p>
+        </p:txBody>
+      </p:sp>
+      <p:sp>
+        <p:nvSpPr>
+          <p:cNvPr id="25" name="사각형: 둥근 모서리 24">
+            <a:extLst>
+              <a:ext uri="{FF2B5EF4-FFF2-40B4-BE49-F238E27FC236}">
+                <a16:creationId xmlns:a16="http://schemas.microsoft.com/office/drawing/2014/main" id="{A2528744-70C0-4677-9410-3F81DF2A648A}"/>
+              </a:ext>
+            </a:extLst>
+          </p:cNvPr>
+          <p:cNvSpPr/>
+          <p:nvPr/>
+        </p:nvSpPr>
+        <p:spPr>
+          <a:xfrm>
+            <a:off x="7032884" y="1465296"/>
+            <a:ext cx="1368152" cy="401039"/>
+          </a:xfrm>
+          <a:prstGeom prst="roundRect">
+            <a:avLst>
+              <a:gd name="adj" fmla="val 0"/>
+            </a:avLst>
+          </a:prstGeom>
+          <a:noFill/>
+          <a:ln>
+            <a:noFill/>
+          </a:ln>
+        </p:spPr>
+        <p:style>
+          <a:lnRef idx="2">
+            <a:schemeClr val="dk1"/>
+          </a:lnRef>
+          <a:fillRef idx="1">
+            <a:schemeClr val="lt1"/>
+          </a:fillRef>
+          <a:effectRef idx="0">
+            <a:schemeClr val="dk1"/>
+          </a:effectRef>
+          <a:fontRef idx="minor">
+            <a:schemeClr val="dk1"/>
+          </a:fontRef>
+        </p:style>
+        <p:txBody>
+          <a:bodyPr rtlCol="0" anchor="ctr"/>
+          <a:lstStyle/>
+          <a:p>
+            <a:pPr algn="ctr"/>
+            <a:r>
+              <a:rPr lang="en-US" altLang="ko-KR" sz="900"/>
+              <a:t>Src IP : 192.168.0.100</a:t>
+            </a:r>
+          </a:p>
+          <a:p>
+            <a:pPr algn="ctr"/>
+            <a:r>
+              <a:rPr lang="en-US" altLang="ko-KR" sz="900"/>
+              <a:t>Src Port : 10000 </a:t>
+            </a:r>
+          </a:p>
+          <a:p>
+            <a:pPr algn="ctr"/>
+            <a:r>
+              <a:rPr lang="en-US" altLang="ko-KR" sz="900"/>
+              <a:t>TS : 200</a:t>
+            </a:r>
+          </a:p>
+        </p:txBody>
+      </p:sp>
+      <p:sp>
+        <p:nvSpPr>
+          <p:cNvPr id="26" name="사각형: 둥근 모서리 25">
+            <a:extLst>
+              <a:ext uri="{FF2B5EF4-FFF2-40B4-BE49-F238E27FC236}">
+                <a16:creationId xmlns:a16="http://schemas.microsoft.com/office/drawing/2014/main" id="{9A283ED4-FB79-4FB8-AF24-8E78D37BA2B4}"/>
+              </a:ext>
+            </a:extLst>
+          </p:cNvPr>
+          <p:cNvSpPr/>
+          <p:nvPr/>
+        </p:nvSpPr>
+        <p:spPr>
+          <a:xfrm>
+            <a:off x="4699588" y="1270611"/>
+            <a:ext cx="1312572" cy="401039"/>
+          </a:xfrm>
+          <a:prstGeom prst="roundRect">
+            <a:avLst>
+              <a:gd name="adj" fmla="val 0"/>
+            </a:avLst>
+          </a:prstGeom>
+          <a:noFill/>
+          <a:ln>
+            <a:noFill/>
+          </a:ln>
+        </p:spPr>
+        <p:style>
+          <a:lnRef idx="2">
+            <a:schemeClr val="dk1"/>
+          </a:lnRef>
+          <a:fillRef idx="1">
+            <a:schemeClr val="lt1"/>
+          </a:fillRef>
+          <a:effectRef idx="0">
+            <a:schemeClr val="dk1"/>
+          </a:effectRef>
+          <a:fontRef idx="minor">
+            <a:schemeClr val="dk1"/>
+          </a:fontRef>
+        </p:style>
+        <p:txBody>
+          <a:bodyPr rtlCol="0" anchor="ctr"/>
+          <a:lstStyle/>
+          <a:p>
+            <a:pPr algn="ctr"/>
+            <a:r>
+              <a:rPr lang="en-US" altLang="ko-KR" sz="900"/>
+              <a:t>Src IP : 192.168.0.100</a:t>
+            </a:r>
+          </a:p>
+          <a:p>
+            <a:pPr algn="ctr"/>
+            <a:r>
+              <a:rPr lang="en-US" altLang="ko-KR" sz="900"/>
+              <a:t>Src Port : 10000 </a:t>
+            </a:r>
+          </a:p>
+          <a:p>
+            <a:pPr algn="ctr"/>
+            <a:r>
+              <a:rPr lang="en-US" altLang="ko-KR" sz="900"/>
+              <a:t>TS : 200</a:t>
+            </a:r>
+          </a:p>
+        </p:txBody>
+      </p:sp>
+      <p:sp>
+        <p:nvSpPr>
+          <p:cNvPr id="36" name="사각형: 둥근 모서리 35">
+            <a:extLst>
+              <a:ext uri="{FF2B5EF4-FFF2-40B4-BE49-F238E27FC236}">
+                <a16:creationId xmlns:a16="http://schemas.microsoft.com/office/drawing/2014/main" id="{B68B00C6-98D4-4E60-8FF9-DF21D1C572A2}"/>
+              </a:ext>
+            </a:extLst>
+          </p:cNvPr>
+          <p:cNvSpPr/>
+          <p:nvPr/>
+        </p:nvSpPr>
+        <p:spPr>
+          <a:xfrm>
+            <a:off x="1187624" y="2823778"/>
+            <a:ext cx="1008112" cy="504056"/>
+          </a:xfrm>
+          <a:prstGeom prst="roundRect">
+            <a:avLst>
+              <a:gd name="adj" fmla="val 9490"/>
+            </a:avLst>
+          </a:prstGeom>
+        </p:spPr>
+        <p:style>
+          <a:lnRef idx="2">
+            <a:schemeClr val="dk1"/>
+          </a:lnRef>
+          <a:fillRef idx="1">
+            <a:schemeClr val="lt1"/>
+          </a:fillRef>
+          <a:effectRef idx="0">
+            <a:schemeClr val="dk1"/>
+          </a:effectRef>
+          <a:fontRef idx="minor">
+            <a:schemeClr val="dk1"/>
+          </a:fontRef>
+        </p:style>
+        <p:txBody>
+          <a:bodyPr rtlCol="0" anchor="ctr"/>
+          <a:lstStyle/>
+          <a:p>
+            <a:pPr algn="ctr"/>
+            <a:r>
+              <a:rPr lang="en-US" altLang="ko-KR" sz="1200"/>
+              <a:t>10.0.0.10</a:t>
+            </a:r>
+          </a:p>
+          <a:p>
+            <a:pPr algn="ctr"/>
+            <a:r>
+              <a:rPr lang="en-US" altLang="ko-KR" sz="1200"/>
+              <a:t>Client A</a:t>
+            </a:r>
+          </a:p>
+        </p:txBody>
+      </p:sp>
+      <p:sp>
+        <p:nvSpPr>
+          <p:cNvPr id="37" name="사각형: 둥근 모서리 36">
+            <a:extLst>
+              <a:ext uri="{FF2B5EF4-FFF2-40B4-BE49-F238E27FC236}">
+                <a16:creationId xmlns:a16="http://schemas.microsoft.com/office/drawing/2014/main" id="{616CBC22-70AA-4D4E-940B-170D03DBDD97}"/>
+              </a:ext>
+            </a:extLst>
+          </p:cNvPr>
+          <p:cNvSpPr/>
+          <p:nvPr/>
+        </p:nvSpPr>
+        <p:spPr>
+          <a:xfrm>
+            <a:off x="1187624" y="3723878"/>
+            <a:ext cx="1008112" cy="504056"/>
+          </a:xfrm>
+          <a:prstGeom prst="roundRect">
+            <a:avLst>
+              <a:gd name="adj" fmla="val 9490"/>
+            </a:avLst>
+          </a:prstGeom>
+        </p:spPr>
+        <p:style>
+          <a:lnRef idx="2">
+            <a:schemeClr val="dk1"/>
+          </a:lnRef>
+          <a:fillRef idx="1">
+            <a:schemeClr val="lt1"/>
+          </a:fillRef>
+          <a:effectRef idx="0">
+            <a:schemeClr val="dk1"/>
+          </a:effectRef>
+          <a:fontRef idx="minor">
+            <a:schemeClr val="dk1"/>
+          </a:fontRef>
+        </p:style>
+        <p:txBody>
+          <a:bodyPr rtlCol="0" anchor="ctr"/>
+          <a:lstStyle/>
+          <a:p>
+            <a:pPr algn="ctr"/>
+            <a:r>
+              <a:rPr lang="en-US" altLang="ko-KR" sz="1200"/>
+              <a:t>10.0.0.20</a:t>
+            </a:r>
+          </a:p>
+          <a:p>
+            <a:pPr algn="ctr"/>
+            <a:r>
+              <a:rPr lang="en-US" altLang="ko-KR" sz="1200"/>
+              <a:t>Client B</a:t>
+            </a:r>
+          </a:p>
+        </p:txBody>
+      </p:sp>
+      <p:sp>
+        <p:nvSpPr>
+          <p:cNvPr id="38" name="사각형: 둥근 모서리 37">
+            <a:extLst>
+              <a:ext uri="{FF2B5EF4-FFF2-40B4-BE49-F238E27FC236}">
+                <a16:creationId xmlns:a16="http://schemas.microsoft.com/office/drawing/2014/main" id="{FD59C893-F111-4127-960F-3931D579ED6C}"/>
+              </a:ext>
+            </a:extLst>
+          </p:cNvPr>
+          <p:cNvSpPr/>
+          <p:nvPr/>
+        </p:nvSpPr>
+        <p:spPr>
+          <a:xfrm>
+            <a:off x="3635896" y="3255826"/>
+            <a:ext cx="1008112" cy="504056"/>
+          </a:xfrm>
+          <a:prstGeom prst="roundRect">
+            <a:avLst>
+              <a:gd name="adj" fmla="val 9490"/>
+            </a:avLst>
+          </a:prstGeom>
+        </p:spPr>
+        <p:style>
+          <a:lnRef idx="2">
+            <a:schemeClr val="dk1"/>
+          </a:lnRef>
+          <a:fillRef idx="1">
+            <a:schemeClr val="lt1"/>
+          </a:fillRef>
+          <a:effectRef idx="0">
+            <a:schemeClr val="dk1"/>
+          </a:effectRef>
+          <a:fontRef idx="minor">
+            <a:schemeClr val="dk1"/>
+          </a:fontRef>
+        </p:style>
+        <p:txBody>
+          <a:bodyPr rtlCol="0" anchor="ctr"/>
+          <a:lstStyle/>
+          <a:p>
+            <a:pPr algn="ctr"/>
+            <a:r>
+              <a:rPr lang="en-US" altLang="ko-KR" sz="1200"/>
+              <a:t>Gateway</a:t>
+            </a:r>
+          </a:p>
+          <a:p>
+            <a:pPr algn="ctr"/>
+            <a:r>
+              <a:rPr lang="en-US" altLang="ko-KR" sz="1200"/>
+              <a:t>(SNAT)</a:t>
+            </a:r>
+          </a:p>
+        </p:txBody>
+      </p:sp>
+      <p:sp>
+        <p:nvSpPr>
+          <p:cNvPr id="39" name="사각형: 둥근 모서리 38">
+            <a:extLst>
+              <a:ext uri="{FF2B5EF4-FFF2-40B4-BE49-F238E27FC236}">
+                <a16:creationId xmlns:a16="http://schemas.microsoft.com/office/drawing/2014/main" id="{B4BDB381-7985-43EE-93B7-5C67609F71C1}"/>
+              </a:ext>
+            </a:extLst>
+          </p:cNvPr>
+          <p:cNvSpPr/>
+          <p:nvPr/>
+        </p:nvSpPr>
+        <p:spPr>
+          <a:xfrm>
+            <a:off x="6084168" y="3255826"/>
+            <a:ext cx="1008112" cy="504056"/>
+          </a:xfrm>
+          <a:prstGeom prst="roundRect">
+            <a:avLst>
+              <a:gd name="adj" fmla="val 9490"/>
+            </a:avLst>
+          </a:prstGeom>
+        </p:spPr>
+        <p:style>
+          <a:lnRef idx="2">
+            <a:schemeClr val="dk1"/>
+          </a:lnRef>
+          <a:fillRef idx="1">
+            <a:schemeClr val="lt1"/>
+          </a:fillRef>
+          <a:effectRef idx="0">
+            <a:schemeClr val="dk1"/>
+          </a:effectRef>
+          <a:fontRef idx="minor">
+            <a:schemeClr val="dk1"/>
+          </a:fontRef>
+        </p:style>
+        <p:txBody>
+          <a:bodyPr rtlCol="0" anchor="ctr"/>
+          <a:lstStyle/>
+          <a:p>
+            <a:pPr algn="ctr"/>
+            <a:r>
+              <a:rPr lang="en-US" altLang="ko-KR" sz="1200"/>
+              <a:t>Server</a:t>
+            </a:r>
+          </a:p>
+        </p:txBody>
+      </p:sp>
+      <p:cxnSp>
+        <p:nvCxnSpPr>
+          <p:cNvPr id="40" name="직선 화살표 연결선 39">
+            <a:extLst>
+              <a:ext uri="{FF2B5EF4-FFF2-40B4-BE49-F238E27FC236}">
+                <a16:creationId xmlns:a16="http://schemas.microsoft.com/office/drawing/2014/main" id="{D8B91B38-242E-4517-B731-35EFBECCB35E}"/>
+              </a:ext>
+            </a:extLst>
+          </p:cNvPr>
+          <p:cNvCxnSpPr>
+            <a:cxnSpLocks/>
+            <a:stCxn id="37" idx="3"/>
+            <a:endCxn id="38" idx="1"/>
+          </p:cNvCxnSpPr>
+          <p:nvPr/>
+        </p:nvCxnSpPr>
+        <p:spPr>
+          <a:xfrm flipV="1">
+            <a:off x="2195736" y="3507854"/>
+            <a:ext cx="1440160" cy="468052"/>
+          </a:xfrm>
+          <a:prstGeom prst="straightConnector1">
+            <a:avLst/>
+          </a:prstGeom>
+          <a:ln w="12700">
+            <a:headEnd type="none" w="med" len="med"/>
+            <a:tailEnd type="arrow" w="med" len="med"/>
+          </a:ln>
+        </p:spPr>
+        <p:style>
+          <a:lnRef idx="1">
+            <a:schemeClr val="dk1"/>
+          </a:lnRef>
+          <a:fillRef idx="0">
+            <a:schemeClr val="dk1"/>
+          </a:fillRef>
+          <a:effectRef idx="0">
+            <a:schemeClr val="dk1"/>
+          </a:effectRef>
+          <a:fontRef idx="minor">
+            <a:schemeClr val="tx1"/>
+          </a:fontRef>
+        </p:style>
+      </p:cxnSp>
+      <p:cxnSp>
+        <p:nvCxnSpPr>
+          <p:cNvPr id="41" name="직선 화살표 연결선 40">
+            <a:extLst>
+              <a:ext uri="{FF2B5EF4-FFF2-40B4-BE49-F238E27FC236}">
+                <a16:creationId xmlns:a16="http://schemas.microsoft.com/office/drawing/2014/main" id="{4A5E8066-DD61-4CCA-9D56-66312EDDD4CA}"/>
+              </a:ext>
+            </a:extLst>
+          </p:cNvPr>
+          <p:cNvCxnSpPr>
+            <a:cxnSpLocks/>
+            <a:stCxn id="38" idx="3"/>
+            <a:endCxn id="39" idx="1"/>
+          </p:cNvCxnSpPr>
+          <p:nvPr/>
+        </p:nvCxnSpPr>
+        <p:spPr>
+          <a:xfrm>
+            <a:off x="4644008" y="3507854"/>
+            <a:ext cx="1440160" cy="0"/>
+          </a:xfrm>
+          <a:prstGeom prst="straightConnector1">
+            <a:avLst/>
+          </a:prstGeom>
+          <a:ln w="12700">
+            <a:solidFill>
+              <a:srgbClr val="C00000"/>
+            </a:solidFill>
+            <a:headEnd type="none" w="med" len="med"/>
+            <a:tailEnd type="arrow" w="med" len="med"/>
+          </a:ln>
+        </p:spPr>
+        <p:style>
+          <a:lnRef idx="1">
+            <a:schemeClr val="dk1"/>
+          </a:lnRef>
+          <a:fillRef idx="0">
+            <a:schemeClr val="dk1"/>
+          </a:fillRef>
+          <a:effectRef idx="0">
+            <a:schemeClr val="dk1"/>
+          </a:effectRef>
+          <a:fontRef idx="minor">
+            <a:schemeClr val="tx1"/>
+          </a:fontRef>
+        </p:style>
+      </p:cxnSp>
+      <p:sp>
+        <p:nvSpPr>
+          <p:cNvPr id="42" name="사각형: 둥근 모서리 41">
+            <a:extLst>
+              <a:ext uri="{FF2B5EF4-FFF2-40B4-BE49-F238E27FC236}">
+                <a16:creationId xmlns:a16="http://schemas.microsoft.com/office/drawing/2014/main" id="{E7AD20AA-1B4E-4ADB-B141-0826DC90C08B}"/>
+              </a:ext>
+            </a:extLst>
+          </p:cNvPr>
+          <p:cNvSpPr/>
+          <p:nvPr/>
+        </p:nvSpPr>
+        <p:spPr>
+          <a:xfrm>
+            <a:off x="2339752" y="3217325"/>
+            <a:ext cx="1152128" cy="401039"/>
+          </a:xfrm>
+          <a:prstGeom prst="roundRect">
+            <a:avLst>
+              <a:gd name="adj" fmla="val 0"/>
+            </a:avLst>
+          </a:prstGeom>
+          <a:noFill/>
+          <a:ln>
+            <a:noFill/>
+          </a:ln>
+        </p:spPr>
+        <p:style>
+          <a:lnRef idx="2">
+            <a:schemeClr val="dk1"/>
+          </a:lnRef>
+          <a:fillRef idx="1">
+            <a:schemeClr val="lt1"/>
+          </a:fillRef>
+          <a:effectRef idx="0">
+            <a:schemeClr val="dk1"/>
+          </a:effectRef>
+          <a:fontRef idx="minor">
+            <a:schemeClr val="dk1"/>
+          </a:fontRef>
+        </p:style>
+        <p:txBody>
+          <a:bodyPr rtlCol="0" anchor="ctr"/>
+          <a:lstStyle/>
+          <a:p>
+            <a:pPr algn="ctr"/>
+            <a:r>
+              <a:rPr lang="en-US" altLang="ko-KR" sz="900"/>
+              <a:t>Src IP : 10.0.0.20</a:t>
+            </a:r>
+          </a:p>
+          <a:p>
+            <a:pPr algn="ctr"/>
+            <a:r>
+              <a:rPr lang="en-US" altLang="ko-KR" sz="900"/>
+              <a:t>Src Port : 10000 TS : 100</a:t>
+            </a:r>
+          </a:p>
+        </p:txBody>
+      </p:sp>
+      <p:sp>
+        <p:nvSpPr>
+          <p:cNvPr id="43" name="사각형: 둥근 모서리 42">
+            <a:extLst>
+              <a:ext uri="{FF2B5EF4-FFF2-40B4-BE49-F238E27FC236}">
+                <a16:creationId xmlns:a16="http://schemas.microsoft.com/office/drawing/2014/main" id="{ACFFEFAE-8F8F-47A1-BD12-D115F4CE7985}"/>
+              </a:ext>
+            </a:extLst>
+          </p:cNvPr>
+          <p:cNvSpPr/>
+          <p:nvPr/>
+        </p:nvSpPr>
+        <p:spPr>
+          <a:xfrm>
+            <a:off x="7032884" y="3301500"/>
+            <a:ext cx="1368152" cy="401039"/>
+          </a:xfrm>
+          <a:prstGeom prst="roundRect">
+            <a:avLst>
+              <a:gd name="adj" fmla="val 0"/>
+            </a:avLst>
+          </a:prstGeom>
+          <a:noFill/>
+          <a:ln>
+            <a:noFill/>
+          </a:ln>
+        </p:spPr>
+        <p:style>
+          <a:lnRef idx="2">
+            <a:schemeClr val="dk1"/>
+          </a:lnRef>
+          <a:fillRef idx="1">
+            <a:schemeClr val="lt1"/>
+          </a:fillRef>
+          <a:effectRef idx="0">
+            <a:schemeClr val="dk1"/>
+          </a:effectRef>
+          <a:fontRef idx="minor">
+            <a:schemeClr val="dk1"/>
+          </a:fontRef>
+        </p:style>
+        <p:txBody>
+          <a:bodyPr rtlCol="0" anchor="ctr"/>
+          <a:lstStyle/>
+          <a:p>
+            <a:pPr algn="ctr"/>
+            <a:r>
+              <a:rPr lang="en-US" altLang="ko-KR" sz="900"/>
+              <a:t>Src IP : 192.168.0.100</a:t>
+            </a:r>
+          </a:p>
+          <a:p>
+            <a:pPr algn="ctr"/>
+            <a:r>
+              <a:rPr lang="en-US" altLang="ko-KR" sz="900"/>
+              <a:t>Src Port : 10000 </a:t>
+            </a:r>
+          </a:p>
+          <a:p>
+            <a:pPr algn="ctr"/>
+            <a:r>
+              <a:rPr lang="en-US" altLang="ko-KR" sz="900"/>
+              <a:t>TS : 200</a:t>
+            </a:r>
+          </a:p>
+        </p:txBody>
+      </p:sp>
+      <p:sp>
+        <p:nvSpPr>
+          <p:cNvPr id="44" name="사각형: 둥근 모서리 43">
+            <a:extLst>
+              <a:ext uri="{FF2B5EF4-FFF2-40B4-BE49-F238E27FC236}">
+                <a16:creationId xmlns:a16="http://schemas.microsoft.com/office/drawing/2014/main" id="{9E6D0F4A-A574-4A43-B42A-24066B7BD064}"/>
+              </a:ext>
+            </a:extLst>
+          </p:cNvPr>
+          <p:cNvSpPr/>
+          <p:nvPr/>
+        </p:nvSpPr>
+        <p:spPr>
+          <a:xfrm>
+            <a:off x="4699588" y="3106815"/>
+            <a:ext cx="1312572" cy="401039"/>
+          </a:xfrm>
+          <a:prstGeom prst="roundRect">
+            <a:avLst>
+              <a:gd name="adj" fmla="val 0"/>
+            </a:avLst>
+          </a:prstGeom>
+          <a:noFill/>
+          <a:ln>
+            <a:noFill/>
+          </a:ln>
+        </p:spPr>
+        <p:style>
+          <a:lnRef idx="2">
+            <a:schemeClr val="dk1"/>
+          </a:lnRef>
+          <a:fillRef idx="1">
+            <a:schemeClr val="lt1"/>
+          </a:fillRef>
+          <a:effectRef idx="0">
+            <a:schemeClr val="dk1"/>
+          </a:effectRef>
+          <a:fontRef idx="minor">
+            <a:schemeClr val="dk1"/>
+          </a:fontRef>
+        </p:style>
+        <p:txBody>
+          <a:bodyPr rtlCol="0" anchor="ctr"/>
+          <a:lstStyle/>
+          <a:p>
+            <a:pPr algn="ctr"/>
+            <a:r>
+              <a:rPr lang="en-US" altLang="ko-KR" sz="900"/>
+              <a:t>Src IP : 192.168.0.100</a:t>
+            </a:r>
+          </a:p>
+          <a:p>
+            <a:pPr algn="ctr"/>
+            <a:r>
+              <a:rPr lang="en-US" altLang="ko-KR" sz="900"/>
+              <a:t>Src Port : 10000 </a:t>
+            </a:r>
+          </a:p>
+          <a:p>
+            <a:pPr algn="ctr"/>
+            <a:r>
+              <a:rPr lang="en-US" altLang="ko-KR" sz="900"/>
+              <a:t>TS : 100</a:t>
+            </a:r>
+          </a:p>
+        </p:txBody>
+      </p:sp>
+      <p:sp>
+        <p:nvSpPr>
+          <p:cNvPr id="46" name="사각형: 둥근 모서리 45">
+            <a:extLst>
+              <a:ext uri="{FF2B5EF4-FFF2-40B4-BE49-F238E27FC236}">
+                <a16:creationId xmlns:a16="http://schemas.microsoft.com/office/drawing/2014/main" id="{5F3C6311-F2C6-4315-9113-EF62351628B1}"/>
+              </a:ext>
+            </a:extLst>
+          </p:cNvPr>
+          <p:cNvSpPr/>
+          <p:nvPr/>
+        </p:nvSpPr>
+        <p:spPr>
+          <a:xfrm>
+            <a:off x="5231436" y="3498773"/>
+            <a:ext cx="1212772" cy="239182"/>
+          </a:xfrm>
+          <a:prstGeom prst="roundRect">
+            <a:avLst>
+              <a:gd name="adj" fmla="val 0"/>
+            </a:avLst>
+          </a:prstGeom>
+          <a:noFill/>
+          <a:ln>
+            <a:noFill/>
+          </a:ln>
+        </p:spPr>
+        <p:style>
+          <a:lnRef idx="2">
+            <a:schemeClr val="dk1"/>
+          </a:lnRef>
+          <a:fillRef idx="1">
+            <a:schemeClr val="lt1"/>
+          </a:fillRef>
+          <a:effectRef idx="0">
+            <a:schemeClr val="dk1"/>
+          </a:effectRef>
+          <a:fontRef idx="minor">
+            <a:schemeClr val="dk1"/>
+          </a:fontRef>
+        </p:style>
+        <p:txBody>
+          <a:bodyPr rtlCol="0" anchor="ctr"/>
+          <a:lstStyle/>
+          <a:p>
+            <a:pPr algn="ctr"/>
+            <a:r>
+              <a:rPr lang="en-US" altLang="ko-KR" sz="1050">
+                <a:solidFill>
+                  <a:srgbClr val="C00000"/>
+                </a:solidFill>
+              </a:rPr>
+              <a:t>DROP</a:t>
+            </a:r>
+          </a:p>
+        </p:txBody>
+      </p:sp>
+      <p:sp>
+        <p:nvSpPr>
+          <p:cNvPr id="47" name="화살표: 아래쪽 46">
+            <a:extLst>
+              <a:ext uri="{FF2B5EF4-FFF2-40B4-BE49-F238E27FC236}">
+                <a16:creationId xmlns:a16="http://schemas.microsoft.com/office/drawing/2014/main" id="{3FA23AAA-77BD-4FE2-8E83-AF092CC4A089}"/>
+              </a:ext>
+            </a:extLst>
+          </p:cNvPr>
+          <p:cNvSpPr/>
+          <p:nvPr/>
+        </p:nvSpPr>
+        <p:spPr>
+          <a:xfrm>
+            <a:off x="3995936" y="2461640"/>
+            <a:ext cx="288032" cy="288034"/>
+          </a:xfrm>
+          <a:prstGeom prst="downArrow">
+            <a:avLst/>
+          </a:prstGeom>
+          <a:solidFill>
+            <a:schemeClr val="tx1"/>
+          </a:solidFill>
+          <a:ln>
+            <a:noFill/>
+          </a:ln>
+        </p:spPr>
+        <p:style>
+          <a:lnRef idx="2">
+            <a:schemeClr val="accent1">
+              <a:shade val="50000"/>
+            </a:schemeClr>
+          </a:lnRef>
+          <a:fillRef idx="1">
+            <a:schemeClr val="accent1"/>
+          </a:fillRef>
+          <a:effectRef idx="0">
+            <a:schemeClr val="accent1"/>
+          </a:effectRef>
+          <a:fontRef idx="minor">
+            <a:schemeClr val="lt1"/>
+          </a:fontRef>
+        </p:style>
+        <p:txBody>
+          <a:bodyPr rtlCol="0" anchor="ctr"/>
+          <a:lstStyle/>
+          <a:p>
+            <a:pPr algn="ctr"/>
+            <a:endParaRPr lang="ko-KR" altLang="en-US"/>
+          </a:p>
+        </p:txBody>
+      </p:sp>
+      <p:cxnSp>
+        <p:nvCxnSpPr>
+          <p:cNvPr id="48" name="직선 연결선 47">
+            <a:extLst>
+              <a:ext uri="{FF2B5EF4-FFF2-40B4-BE49-F238E27FC236}">
+                <a16:creationId xmlns:a16="http://schemas.microsoft.com/office/drawing/2014/main" id="{FF3644E8-F228-48E2-8452-24E875034A6F}"/>
+              </a:ext>
+            </a:extLst>
+          </p:cNvPr>
+          <p:cNvCxnSpPr>
+            <a:cxnSpLocks/>
+          </p:cNvCxnSpPr>
+          <p:nvPr/>
+        </p:nvCxnSpPr>
+        <p:spPr>
+          <a:xfrm>
+            <a:off x="1041450" y="2605658"/>
+            <a:ext cx="7359586" cy="0"/>
+          </a:xfrm>
+          <a:prstGeom prst="line">
+            <a:avLst/>
+          </a:prstGeom>
+          <a:ln w="19050">
+            <a:prstDash val="dash"/>
+          </a:ln>
+        </p:spPr>
+        <p:style>
+          <a:lnRef idx="1">
+            <a:schemeClr val="dk1"/>
+          </a:lnRef>
+          <a:fillRef idx="0">
+            <a:schemeClr val="dk1"/>
+          </a:fillRef>
+          <a:effectRef idx="0">
+            <a:schemeClr val="dk1"/>
+          </a:effectRef>
+          <a:fontRef idx="minor">
+            <a:schemeClr val="tx1"/>
+          </a:fontRef>
+        </p:style>
+      </p:cxnSp>
+      <p:sp>
+        <p:nvSpPr>
+          <p:cNvPr id="51" name="제목 1">
+            <a:extLst>
+              <a:ext uri="{FF2B5EF4-FFF2-40B4-BE49-F238E27FC236}">
+                <a16:creationId xmlns:a16="http://schemas.microsoft.com/office/drawing/2014/main" id="{FBBBD121-FDFC-40A8-AFE4-D6F3997BA52D}"/>
               </a:ext>
             </a:extLst>
           </p:cNvPr>
@@ -7666,44 +9440,30 @@
             <p:ph type="title"/>
           </p:nvPr>
         </p:nvSpPr>
-        <p:spPr/>
-        <p:txBody>
-          <a:bodyPr/>
-          <a:lstStyle/>
-          <a:p>
-            <a:endParaRPr lang="ko-KR" altLang="en-US"/>
-          </a:p>
-        </p:txBody>
-      </p:sp>
-      <p:sp>
-        <p:nvSpPr>
-          <p:cNvPr id="3" name="내용 개체 틀 2">
-            <a:extLst>
-              <a:ext uri="{FF2B5EF4-FFF2-40B4-BE49-F238E27FC236}">
-                <a16:creationId xmlns:a16="http://schemas.microsoft.com/office/drawing/2014/main" id="{20589226-FD51-4DA5-8852-14144E0EC413}"/>
-              </a:ext>
-            </a:extLst>
-          </p:cNvPr>
-          <p:cNvSpPr>
-            <a:spLocks noGrp="1"/>
-          </p:cNvSpPr>
-          <p:nvPr>
-            <p:ph idx="1"/>
-          </p:nvPr>
-        </p:nvSpPr>
-        <p:spPr/>
-        <p:txBody>
-          <a:bodyPr/>
-          <a:lstStyle/>
-          <a:p>
-            <a:endParaRPr lang="ko-KR" altLang="en-US"/>
+        <p:spPr>
+          <a:xfrm>
+            <a:off x="457200" y="-92546"/>
+            <a:ext cx="8229600" cy="720080"/>
+          </a:xfrm>
+        </p:spPr>
+        <p:txBody>
+          <a:bodyPr>
+            <a:normAutofit/>
+          </a:bodyPr>
+          <a:lstStyle/>
+          <a:p>
+            <a:r>
+              <a:rPr lang="en-US" altLang="ko-KR" sz="3600"/>
+              <a:t>SYN Packet Drop</a:t>
+            </a:r>
+            <a:endParaRPr lang="ko-KR" altLang="en-US" sz="3600" dirty="0"/>
           </a:p>
         </p:txBody>
       </p:sp>
     </p:spTree>
     <p:extLst>
       <p:ext uri="{BB962C8B-B14F-4D97-AF65-F5344CB8AC3E}">
-        <p14:creationId xmlns:p14="http://schemas.microsoft.com/office/powerpoint/2010/main" val="744668357"/>
+        <p14:creationId xmlns:p14="http://schemas.microsoft.com/office/powerpoint/2010/main" val="926714250"/>
       </p:ext>
     </p:extLst>
   </p:cSld>
@@ -7732,6 +9492,1274 @@
       </p:grpSpPr>
       <p:sp>
         <p:nvSpPr>
+          <p:cNvPr id="2" name="제목 1">
+            <a:extLst>
+              <a:ext uri="{FF2B5EF4-FFF2-40B4-BE49-F238E27FC236}">
+                <a16:creationId xmlns:a16="http://schemas.microsoft.com/office/drawing/2014/main" id="{0E8F3D1A-C666-484D-9348-C9655D6C448B}"/>
+              </a:ext>
+            </a:extLst>
+          </p:cNvPr>
+          <p:cNvSpPr>
+            <a:spLocks noGrp="1"/>
+          </p:cNvSpPr>
+          <p:nvPr>
+            <p:ph type="title"/>
+          </p:nvPr>
+        </p:nvSpPr>
+        <p:spPr/>
+        <p:txBody>
+          <a:bodyPr/>
+          <a:lstStyle/>
+          <a:p>
+            <a:endParaRPr lang="ko-KR" altLang="en-US"/>
+          </a:p>
+        </p:txBody>
+      </p:sp>
+      <p:sp>
+        <p:nvSpPr>
+          <p:cNvPr id="3" name="내용 개체 틀 2">
+            <a:extLst>
+              <a:ext uri="{FF2B5EF4-FFF2-40B4-BE49-F238E27FC236}">
+                <a16:creationId xmlns:a16="http://schemas.microsoft.com/office/drawing/2014/main" id="{20589226-FD51-4DA5-8852-14144E0EC413}"/>
+              </a:ext>
+            </a:extLst>
+          </p:cNvPr>
+          <p:cNvSpPr>
+            <a:spLocks noGrp="1"/>
+          </p:cNvSpPr>
+          <p:nvPr>
+            <p:ph idx="1"/>
+          </p:nvPr>
+        </p:nvSpPr>
+        <p:spPr/>
+        <p:txBody>
+          <a:bodyPr/>
+          <a:lstStyle/>
+          <a:p>
+            <a:endParaRPr lang="ko-KR" altLang="en-US"/>
+          </a:p>
+        </p:txBody>
+      </p:sp>
+    </p:spTree>
+    <p:extLst>
+      <p:ext uri="{BB962C8B-B14F-4D97-AF65-F5344CB8AC3E}">
+        <p14:creationId xmlns:p14="http://schemas.microsoft.com/office/powerpoint/2010/main" val="744668357"/>
+      </p:ext>
+    </p:extLst>
+  </p:cSld>
+  <p:clrMapOvr>
+    <a:masterClrMapping/>
+  </p:clrMapOvr>
+</p:sld>
+</file>
+
+<file path=ppt/slides/slide6.xml><?xml version="1.0" encoding="utf-8"?>
+<p:sld xmlns:a="http://schemas.openxmlformats.org/drawingml/2006/main" xmlns:r="http://schemas.openxmlformats.org/officeDocument/2006/relationships" xmlns:p="http://schemas.openxmlformats.org/presentationml/2006/main">
+  <p:cSld>
+    <p:spTree>
+      <p:nvGrpSpPr>
+        <p:cNvPr id="1" name=""/>
+        <p:cNvGrpSpPr/>
+        <p:nvPr/>
+      </p:nvGrpSpPr>
+      <p:grpSpPr>
+        <a:xfrm>
+          <a:off x="0" y="0"/>
+          <a:ext cx="0" cy="0"/>
+          <a:chOff x="0" y="0"/>
+          <a:chExt cx="0" cy="0"/>
+        </a:xfrm>
+      </p:grpSpPr>
+      <p:sp>
+        <p:nvSpPr>
+          <p:cNvPr id="2" name="제목 1"/>
+          <p:cNvSpPr>
+            <a:spLocks noGrp="1"/>
+          </p:cNvSpPr>
+          <p:nvPr>
+            <p:ph type="title"/>
+          </p:nvPr>
+        </p:nvSpPr>
+        <p:spPr>
+          <a:xfrm>
+            <a:off x="457200" y="-92546"/>
+            <a:ext cx="8229600" cy="720080"/>
+          </a:xfrm>
+        </p:spPr>
+        <p:txBody>
+          <a:bodyPr>
+            <a:normAutofit/>
+          </a:bodyPr>
+          <a:lstStyle/>
+          <a:p>
+            <a:r>
+              <a:rPr lang="en-US" altLang="ko-KR" sz="3600"/>
+              <a:t>Lost Last Ack</a:t>
+            </a:r>
+            <a:endParaRPr lang="ko-KR" altLang="en-US" sz="3600" dirty="0"/>
+          </a:p>
+        </p:txBody>
+      </p:sp>
+      <p:sp>
+        <p:nvSpPr>
+          <p:cNvPr id="94" name="TextBox 93">
+            <a:extLst>
+              <a:ext uri="{FF2B5EF4-FFF2-40B4-BE49-F238E27FC236}">
+                <a16:creationId xmlns:a16="http://schemas.microsoft.com/office/drawing/2014/main" id="{8C202BA3-1836-446B-9762-088033ED3707}"/>
+              </a:ext>
+            </a:extLst>
+          </p:cNvPr>
+          <p:cNvSpPr txBox="1"/>
+          <p:nvPr/>
+        </p:nvSpPr>
+        <p:spPr>
+          <a:xfrm>
+            <a:off x="3130238" y="771550"/>
+            <a:ext cx="583814" cy="276999"/>
+          </a:xfrm>
+          <a:prstGeom prst="rect">
+            <a:avLst/>
+          </a:prstGeom>
+          <a:noFill/>
+        </p:spPr>
+        <p:txBody>
+          <a:bodyPr wrap="none" rtlCol="0" anchor="ctr">
+            <a:spAutoFit/>
+          </a:bodyPr>
+          <a:lstStyle/>
+          <a:p>
+            <a:pPr algn="ctr"/>
+            <a:r>
+              <a:rPr lang="en-US" altLang="ko-KR" sz="1200"/>
+              <a:t>Client</a:t>
+            </a:r>
+            <a:endParaRPr lang="ko-KR" altLang="en-US" sz="1200"/>
+          </a:p>
+        </p:txBody>
+      </p:sp>
+      <p:cxnSp>
+        <p:nvCxnSpPr>
+          <p:cNvPr id="4" name="직선 연결선 3">
+            <a:extLst>
+              <a:ext uri="{FF2B5EF4-FFF2-40B4-BE49-F238E27FC236}">
+                <a16:creationId xmlns:a16="http://schemas.microsoft.com/office/drawing/2014/main" id="{BAB273D5-6145-499E-8390-48BBD4E91D59}"/>
+              </a:ext>
+            </a:extLst>
+          </p:cNvPr>
+          <p:cNvCxnSpPr>
+            <a:cxnSpLocks/>
+            <a:stCxn id="94" idx="2"/>
+          </p:cNvCxnSpPr>
+          <p:nvPr/>
+        </p:nvCxnSpPr>
+        <p:spPr>
+          <a:xfrm>
+            <a:off x="3422145" y="1048549"/>
+            <a:ext cx="0" cy="1739225"/>
+          </a:xfrm>
+          <a:prstGeom prst="line">
+            <a:avLst/>
+          </a:prstGeom>
+          <a:ln w="19050"/>
+        </p:spPr>
+        <p:style>
+          <a:lnRef idx="1">
+            <a:schemeClr val="dk1"/>
+          </a:lnRef>
+          <a:fillRef idx="0">
+            <a:schemeClr val="dk1"/>
+          </a:fillRef>
+          <a:effectRef idx="0">
+            <a:schemeClr val="dk1"/>
+          </a:effectRef>
+          <a:fontRef idx="minor">
+            <a:schemeClr val="tx1"/>
+          </a:fontRef>
+        </p:style>
+      </p:cxnSp>
+      <p:sp>
+        <p:nvSpPr>
+          <p:cNvPr id="96" name="TextBox 95">
+            <a:extLst>
+              <a:ext uri="{FF2B5EF4-FFF2-40B4-BE49-F238E27FC236}">
+                <a16:creationId xmlns:a16="http://schemas.microsoft.com/office/drawing/2014/main" id="{AD3DA31F-90ED-4078-A5A4-F997308F0720}"/>
+              </a:ext>
+            </a:extLst>
+          </p:cNvPr>
+          <p:cNvSpPr txBox="1"/>
+          <p:nvPr/>
+        </p:nvSpPr>
+        <p:spPr>
+          <a:xfrm>
+            <a:off x="5341331" y="771550"/>
+            <a:ext cx="621580" cy="276999"/>
+          </a:xfrm>
+          <a:prstGeom prst="rect">
+            <a:avLst/>
+          </a:prstGeom>
+          <a:noFill/>
+        </p:spPr>
+        <p:txBody>
+          <a:bodyPr wrap="none" rtlCol="0" anchor="ctr">
+            <a:spAutoFit/>
+          </a:bodyPr>
+          <a:lstStyle/>
+          <a:p>
+            <a:pPr algn="ctr"/>
+            <a:r>
+              <a:rPr lang="en-US" altLang="ko-KR" sz="1200"/>
+              <a:t>Server</a:t>
+            </a:r>
+            <a:endParaRPr lang="ko-KR" altLang="en-US" sz="1200"/>
+          </a:p>
+        </p:txBody>
+      </p:sp>
+      <p:cxnSp>
+        <p:nvCxnSpPr>
+          <p:cNvPr id="97" name="직선 연결선 96">
+            <a:extLst>
+              <a:ext uri="{FF2B5EF4-FFF2-40B4-BE49-F238E27FC236}">
+                <a16:creationId xmlns:a16="http://schemas.microsoft.com/office/drawing/2014/main" id="{EA9E3194-9CAD-40ED-8CD3-7E8675DAB44F}"/>
+              </a:ext>
+            </a:extLst>
+          </p:cNvPr>
+          <p:cNvCxnSpPr>
+            <a:cxnSpLocks/>
+            <a:stCxn id="96" idx="2"/>
+          </p:cNvCxnSpPr>
+          <p:nvPr/>
+        </p:nvCxnSpPr>
+        <p:spPr>
+          <a:xfrm>
+            <a:off x="5652121" y="1048549"/>
+            <a:ext cx="0" cy="1739225"/>
+          </a:xfrm>
+          <a:prstGeom prst="line">
+            <a:avLst/>
+          </a:prstGeom>
+          <a:ln w="19050"/>
+        </p:spPr>
+        <p:style>
+          <a:lnRef idx="1">
+            <a:schemeClr val="dk1"/>
+          </a:lnRef>
+          <a:fillRef idx="0">
+            <a:schemeClr val="dk1"/>
+          </a:fillRef>
+          <a:effectRef idx="0">
+            <a:schemeClr val="dk1"/>
+          </a:effectRef>
+          <a:fontRef idx="minor">
+            <a:schemeClr val="tx1"/>
+          </a:fontRef>
+        </p:style>
+      </p:cxnSp>
+      <p:cxnSp>
+        <p:nvCxnSpPr>
+          <p:cNvPr id="108" name="직선 연결선 107">
+            <a:extLst>
+              <a:ext uri="{FF2B5EF4-FFF2-40B4-BE49-F238E27FC236}">
+                <a16:creationId xmlns:a16="http://schemas.microsoft.com/office/drawing/2014/main" id="{CD521810-DBF5-408F-AC05-216EFBE70BDF}"/>
+              </a:ext>
+            </a:extLst>
+          </p:cNvPr>
+          <p:cNvCxnSpPr>
+            <a:cxnSpLocks/>
+            <a:endCxn id="124" idx="3"/>
+          </p:cNvCxnSpPr>
+          <p:nvPr/>
+        </p:nvCxnSpPr>
+        <p:spPr>
+          <a:xfrm flipH="1">
+            <a:off x="3303876" y="2229737"/>
+            <a:ext cx="2496559" cy="0"/>
+          </a:xfrm>
+          <a:prstGeom prst="line">
+            <a:avLst/>
+          </a:prstGeom>
+          <a:ln w="19050">
+            <a:prstDash val="dash"/>
+          </a:ln>
+        </p:spPr>
+        <p:style>
+          <a:lnRef idx="1">
+            <a:schemeClr val="dk1"/>
+          </a:lnRef>
+          <a:fillRef idx="0">
+            <a:schemeClr val="dk1"/>
+          </a:fillRef>
+          <a:effectRef idx="0">
+            <a:schemeClr val="dk1"/>
+          </a:effectRef>
+          <a:fontRef idx="minor">
+            <a:schemeClr val="tx1"/>
+          </a:fontRef>
+        </p:style>
+      </p:cxnSp>
+      <p:cxnSp>
+        <p:nvCxnSpPr>
+          <p:cNvPr id="109" name="직선 화살표 연결선 108">
+            <a:extLst>
+              <a:ext uri="{FF2B5EF4-FFF2-40B4-BE49-F238E27FC236}">
+                <a16:creationId xmlns:a16="http://schemas.microsoft.com/office/drawing/2014/main" id="{96F6352D-C74E-4D0F-9AF2-DAFC9A1B9722}"/>
+              </a:ext>
+            </a:extLst>
+          </p:cNvPr>
+          <p:cNvCxnSpPr>
+            <a:cxnSpLocks/>
+          </p:cNvCxnSpPr>
+          <p:nvPr/>
+        </p:nvCxnSpPr>
+        <p:spPr>
+          <a:xfrm>
+            <a:off x="3422145" y="2283718"/>
+            <a:ext cx="2229976" cy="216024"/>
+          </a:xfrm>
+          <a:prstGeom prst="straightConnector1">
+            <a:avLst/>
+          </a:prstGeom>
+          <a:ln w="12700">
+            <a:headEnd type="none" w="med" len="med"/>
+            <a:tailEnd type="arrow" w="med" len="med"/>
+          </a:ln>
+        </p:spPr>
+        <p:style>
+          <a:lnRef idx="1">
+            <a:schemeClr val="dk1"/>
+          </a:lnRef>
+          <a:fillRef idx="0">
+            <a:schemeClr val="dk1"/>
+          </a:fillRef>
+          <a:effectRef idx="0">
+            <a:schemeClr val="dk1"/>
+          </a:effectRef>
+          <a:fontRef idx="minor">
+            <a:schemeClr val="tx1"/>
+          </a:fontRef>
+        </p:style>
+      </p:cxnSp>
+      <p:sp>
+        <p:nvSpPr>
+          <p:cNvPr id="111" name="사각형: 둥근 모서리 110">
+            <a:extLst>
+              <a:ext uri="{FF2B5EF4-FFF2-40B4-BE49-F238E27FC236}">
+                <a16:creationId xmlns:a16="http://schemas.microsoft.com/office/drawing/2014/main" id="{2DD619B4-09B6-407E-84C3-C5C81E611C01}"/>
+              </a:ext>
+            </a:extLst>
+          </p:cNvPr>
+          <p:cNvSpPr/>
+          <p:nvPr/>
+        </p:nvSpPr>
+        <p:spPr>
+          <a:xfrm>
+            <a:off x="4498993" y="2191920"/>
+            <a:ext cx="947468" cy="239182"/>
+          </a:xfrm>
+          <a:prstGeom prst="roundRect">
+            <a:avLst>
+              <a:gd name="adj" fmla="val 0"/>
+            </a:avLst>
+          </a:prstGeom>
+          <a:noFill/>
+          <a:ln>
+            <a:noFill/>
+          </a:ln>
+        </p:spPr>
+        <p:style>
+          <a:lnRef idx="2">
+            <a:schemeClr val="dk1"/>
+          </a:lnRef>
+          <a:fillRef idx="1">
+            <a:schemeClr val="lt1"/>
+          </a:fillRef>
+          <a:effectRef idx="0">
+            <a:schemeClr val="dk1"/>
+          </a:effectRef>
+          <a:fontRef idx="minor">
+            <a:schemeClr val="dk1"/>
+          </a:fontRef>
+        </p:style>
+        <p:txBody>
+          <a:bodyPr rtlCol="0" anchor="ctr"/>
+          <a:lstStyle/>
+          <a:p>
+            <a:pPr algn="ctr"/>
+            <a:r>
+              <a:rPr lang="en-US" altLang="ko-KR" sz="900"/>
+              <a:t>SYN</a:t>
+            </a:r>
+          </a:p>
+        </p:txBody>
+      </p:sp>
+      <p:sp>
+        <p:nvSpPr>
+          <p:cNvPr id="124" name="사각형: 둥근 모서리 123">
+            <a:extLst>
+              <a:ext uri="{FF2B5EF4-FFF2-40B4-BE49-F238E27FC236}">
+                <a16:creationId xmlns:a16="http://schemas.microsoft.com/office/drawing/2014/main" id="{5D44E6C9-41E8-4AFC-8E27-769F2B347FC6}"/>
+              </a:ext>
+            </a:extLst>
+          </p:cNvPr>
+          <p:cNvSpPr/>
+          <p:nvPr/>
+        </p:nvSpPr>
+        <p:spPr>
+          <a:xfrm>
+            <a:off x="2091104" y="2110146"/>
+            <a:ext cx="1212772" cy="239182"/>
+          </a:xfrm>
+          <a:prstGeom prst="roundRect">
+            <a:avLst>
+              <a:gd name="adj" fmla="val 0"/>
+            </a:avLst>
+          </a:prstGeom>
+          <a:noFill/>
+          <a:ln>
+            <a:noFill/>
+          </a:ln>
+        </p:spPr>
+        <p:style>
+          <a:lnRef idx="2">
+            <a:schemeClr val="dk1"/>
+          </a:lnRef>
+          <a:fillRef idx="1">
+            <a:schemeClr val="lt1"/>
+          </a:fillRef>
+          <a:effectRef idx="0">
+            <a:schemeClr val="dk1"/>
+          </a:effectRef>
+          <a:fontRef idx="minor">
+            <a:schemeClr val="dk1"/>
+          </a:fontRef>
+        </p:style>
+        <p:txBody>
+          <a:bodyPr rtlCol="0" anchor="ctr"/>
+          <a:lstStyle/>
+          <a:p>
+            <a:pPr algn="ctr"/>
+            <a:r>
+              <a:rPr lang="en-US" altLang="ko-KR" sz="1050"/>
+              <a:t>New Connection</a:t>
+            </a:r>
+          </a:p>
+        </p:txBody>
+      </p:sp>
+      <p:cxnSp>
+        <p:nvCxnSpPr>
+          <p:cNvPr id="23" name="직선 화살표 연결선 22">
+            <a:extLst>
+              <a:ext uri="{FF2B5EF4-FFF2-40B4-BE49-F238E27FC236}">
+                <a16:creationId xmlns:a16="http://schemas.microsoft.com/office/drawing/2014/main" id="{149AB5C6-6F28-44AF-A48F-D06BCB290205}"/>
+              </a:ext>
+            </a:extLst>
+          </p:cNvPr>
+          <p:cNvCxnSpPr>
+            <a:cxnSpLocks/>
+          </p:cNvCxnSpPr>
+          <p:nvPr/>
+        </p:nvCxnSpPr>
+        <p:spPr>
+          <a:xfrm>
+            <a:off x="3422145" y="1170237"/>
+            <a:ext cx="2229976" cy="216024"/>
+          </a:xfrm>
+          <a:prstGeom prst="straightConnector1">
+            <a:avLst/>
+          </a:prstGeom>
+          <a:ln w="12700">
+            <a:headEnd type="none" w="med" len="med"/>
+            <a:tailEnd type="arrow" w="med" len="med"/>
+          </a:ln>
+        </p:spPr>
+        <p:style>
+          <a:lnRef idx="1">
+            <a:schemeClr val="dk1"/>
+          </a:lnRef>
+          <a:fillRef idx="0">
+            <a:schemeClr val="dk1"/>
+          </a:fillRef>
+          <a:effectRef idx="0">
+            <a:schemeClr val="dk1"/>
+          </a:effectRef>
+          <a:fontRef idx="minor">
+            <a:schemeClr val="tx1"/>
+          </a:fontRef>
+        </p:style>
+      </p:cxnSp>
+      <p:cxnSp>
+        <p:nvCxnSpPr>
+          <p:cNvPr id="24" name="직선 화살표 연결선 23">
+            <a:extLst>
+              <a:ext uri="{FF2B5EF4-FFF2-40B4-BE49-F238E27FC236}">
+                <a16:creationId xmlns:a16="http://schemas.microsoft.com/office/drawing/2014/main" id="{E379A8AE-9BFF-42B5-861E-5CC3F02852C9}"/>
+              </a:ext>
+            </a:extLst>
+          </p:cNvPr>
+          <p:cNvCxnSpPr>
+            <a:cxnSpLocks/>
+          </p:cNvCxnSpPr>
+          <p:nvPr/>
+        </p:nvCxnSpPr>
+        <p:spPr>
+          <a:xfrm flipH="1">
+            <a:off x="3422145" y="1386261"/>
+            <a:ext cx="2229976" cy="216024"/>
+          </a:xfrm>
+          <a:prstGeom prst="straightConnector1">
+            <a:avLst/>
+          </a:prstGeom>
+          <a:ln w="12700">
+            <a:headEnd type="none" w="med" len="med"/>
+            <a:tailEnd type="arrow" w="med" len="med"/>
+          </a:ln>
+        </p:spPr>
+        <p:style>
+          <a:lnRef idx="1">
+            <a:schemeClr val="dk1"/>
+          </a:lnRef>
+          <a:fillRef idx="0">
+            <a:schemeClr val="dk1"/>
+          </a:fillRef>
+          <a:effectRef idx="0">
+            <a:schemeClr val="dk1"/>
+          </a:effectRef>
+          <a:fontRef idx="minor">
+            <a:schemeClr val="tx1"/>
+          </a:fontRef>
+        </p:style>
+      </p:cxnSp>
+      <p:cxnSp>
+        <p:nvCxnSpPr>
+          <p:cNvPr id="26" name="직선 화살표 연결선 25">
+            <a:extLst>
+              <a:ext uri="{FF2B5EF4-FFF2-40B4-BE49-F238E27FC236}">
+                <a16:creationId xmlns:a16="http://schemas.microsoft.com/office/drawing/2014/main" id="{8794C61F-59D9-4869-996B-1FD845204BE3}"/>
+              </a:ext>
+            </a:extLst>
+          </p:cNvPr>
+          <p:cNvCxnSpPr>
+            <a:cxnSpLocks/>
+          </p:cNvCxnSpPr>
+          <p:nvPr/>
+        </p:nvCxnSpPr>
+        <p:spPr>
+          <a:xfrm flipH="1">
+            <a:off x="3422145" y="1599990"/>
+            <a:ext cx="2229976" cy="216024"/>
+          </a:xfrm>
+          <a:prstGeom prst="straightConnector1">
+            <a:avLst/>
+          </a:prstGeom>
+          <a:ln w="12700">
+            <a:headEnd type="none" w="med" len="med"/>
+            <a:tailEnd type="arrow" w="med" len="med"/>
+          </a:ln>
+        </p:spPr>
+        <p:style>
+          <a:lnRef idx="1">
+            <a:schemeClr val="dk1"/>
+          </a:lnRef>
+          <a:fillRef idx="0">
+            <a:schemeClr val="dk1"/>
+          </a:fillRef>
+          <a:effectRef idx="0">
+            <a:schemeClr val="dk1"/>
+          </a:effectRef>
+          <a:fontRef idx="minor">
+            <a:schemeClr val="tx1"/>
+          </a:fontRef>
+        </p:style>
+      </p:cxnSp>
+      <p:cxnSp>
+        <p:nvCxnSpPr>
+          <p:cNvPr id="27" name="직선 화살표 연결선 26">
+            <a:extLst>
+              <a:ext uri="{FF2B5EF4-FFF2-40B4-BE49-F238E27FC236}">
+                <a16:creationId xmlns:a16="http://schemas.microsoft.com/office/drawing/2014/main" id="{D9B00C05-6F52-4BFC-AECA-A764A0FFC327}"/>
+              </a:ext>
+            </a:extLst>
+          </p:cNvPr>
+          <p:cNvCxnSpPr>
+            <a:cxnSpLocks/>
+          </p:cNvCxnSpPr>
+          <p:nvPr/>
+        </p:nvCxnSpPr>
+        <p:spPr>
+          <a:xfrm>
+            <a:off x="3422145" y="1813719"/>
+            <a:ext cx="1797927" cy="174170"/>
+          </a:xfrm>
+          <a:prstGeom prst="straightConnector1">
+            <a:avLst/>
+          </a:prstGeom>
+          <a:ln w="12700">
+            <a:solidFill>
+              <a:srgbClr val="C00000"/>
+            </a:solidFill>
+            <a:headEnd type="none" w="med" len="med"/>
+            <a:tailEnd type="arrow" w="med" len="med"/>
+          </a:ln>
+        </p:spPr>
+        <p:style>
+          <a:lnRef idx="1">
+            <a:schemeClr val="dk1"/>
+          </a:lnRef>
+          <a:fillRef idx="0">
+            <a:schemeClr val="dk1"/>
+          </a:fillRef>
+          <a:effectRef idx="0">
+            <a:schemeClr val="dk1"/>
+          </a:effectRef>
+          <a:fontRef idx="minor">
+            <a:schemeClr val="tx1"/>
+          </a:fontRef>
+        </p:style>
+      </p:cxnSp>
+      <p:sp>
+        <p:nvSpPr>
+          <p:cNvPr id="36" name="사각형: 둥근 모서리 35">
+            <a:extLst>
+              <a:ext uri="{FF2B5EF4-FFF2-40B4-BE49-F238E27FC236}">
+                <a16:creationId xmlns:a16="http://schemas.microsoft.com/office/drawing/2014/main" id="{5390210A-7C0A-4800-8FE8-9974812EA839}"/>
+              </a:ext>
+            </a:extLst>
+          </p:cNvPr>
+          <p:cNvSpPr/>
+          <p:nvPr/>
+        </p:nvSpPr>
+        <p:spPr>
+          <a:xfrm>
+            <a:off x="2051720" y="1856381"/>
+            <a:ext cx="1291540" cy="239182"/>
+          </a:xfrm>
+          <a:prstGeom prst="roundRect">
+            <a:avLst>
+              <a:gd name="adj" fmla="val 0"/>
+            </a:avLst>
+          </a:prstGeom>
+          <a:noFill/>
+          <a:ln>
+            <a:noFill/>
+          </a:ln>
+        </p:spPr>
+        <p:style>
+          <a:lnRef idx="2">
+            <a:schemeClr val="dk1"/>
+          </a:lnRef>
+          <a:fillRef idx="1">
+            <a:schemeClr val="lt1"/>
+          </a:fillRef>
+          <a:effectRef idx="0">
+            <a:schemeClr val="dk1"/>
+          </a:effectRef>
+          <a:fontRef idx="minor">
+            <a:schemeClr val="dk1"/>
+          </a:fontRef>
+        </p:style>
+        <p:txBody>
+          <a:bodyPr rtlCol="0" anchor="ctr"/>
+          <a:lstStyle/>
+          <a:p>
+            <a:pPr algn="ctr"/>
+            <a:r>
+              <a:rPr lang="en-US" altLang="ko-KR" sz="1050"/>
+              <a:t>Short TIME_WAIT</a:t>
+            </a:r>
+          </a:p>
+        </p:txBody>
+      </p:sp>
+      <p:sp>
+        <p:nvSpPr>
+          <p:cNvPr id="37" name="사각형: 둥근 모서리 36">
+            <a:extLst>
+              <a:ext uri="{FF2B5EF4-FFF2-40B4-BE49-F238E27FC236}">
+                <a16:creationId xmlns:a16="http://schemas.microsoft.com/office/drawing/2014/main" id="{C346632A-B39D-4435-871A-2653E6D0CDBB}"/>
+              </a:ext>
+            </a:extLst>
+          </p:cNvPr>
+          <p:cNvSpPr/>
+          <p:nvPr/>
+        </p:nvSpPr>
+        <p:spPr>
+          <a:xfrm>
+            <a:off x="4498993" y="1103788"/>
+            <a:ext cx="947468" cy="239182"/>
+          </a:xfrm>
+          <a:prstGeom prst="roundRect">
+            <a:avLst>
+              <a:gd name="adj" fmla="val 0"/>
+            </a:avLst>
+          </a:prstGeom>
+          <a:noFill/>
+          <a:ln>
+            <a:noFill/>
+          </a:ln>
+        </p:spPr>
+        <p:style>
+          <a:lnRef idx="2">
+            <a:schemeClr val="dk1"/>
+          </a:lnRef>
+          <a:fillRef idx="1">
+            <a:schemeClr val="lt1"/>
+          </a:fillRef>
+          <a:effectRef idx="0">
+            <a:schemeClr val="dk1"/>
+          </a:effectRef>
+          <a:fontRef idx="minor">
+            <a:schemeClr val="dk1"/>
+          </a:fontRef>
+        </p:style>
+        <p:txBody>
+          <a:bodyPr rtlCol="0" anchor="ctr"/>
+          <a:lstStyle/>
+          <a:p>
+            <a:pPr algn="ctr"/>
+            <a:r>
+              <a:rPr lang="en-US" altLang="ko-KR" sz="900"/>
+              <a:t>FIN</a:t>
+            </a:r>
+          </a:p>
+        </p:txBody>
+      </p:sp>
+      <p:sp>
+        <p:nvSpPr>
+          <p:cNvPr id="38" name="사각형: 둥근 모서리 37">
+            <a:extLst>
+              <a:ext uri="{FF2B5EF4-FFF2-40B4-BE49-F238E27FC236}">
+                <a16:creationId xmlns:a16="http://schemas.microsoft.com/office/drawing/2014/main" id="{A79EDA73-2C96-445A-A245-C3D06B6A4C23}"/>
+              </a:ext>
+            </a:extLst>
+          </p:cNvPr>
+          <p:cNvSpPr/>
+          <p:nvPr/>
+        </p:nvSpPr>
+        <p:spPr>
+          <a:xfrm>
+            <a:off x="3570491" y="1314721"/>
+            <a:ext cx="947468" cy="239182"/>
+          </a:xfrm>
+          <a:prstGeom prst="roundRect">
+            <a:avLst>
+              <a:gd name="adj" fmla="val 0"/>
+            </a:avLst>
+          </a:prstGeom>
+          <a:noFill/>
+          <a:ln>
+            <a:noFill/>
+          </a:ln>
+        </p:spPr>
+        <p:style>
+          <a:lnRef idx="2">
+            <a:schemeClr val="dk1"/>
+          </a:lnRef>
+          <a:fillRef idx="1">
+            <a:schemeClr val="lt1"/>
+          </a:fillRef>
+          <a:effectRef idx="0">
+            <a:schemeClr val="dk1"/>
+          </a:effectRef>
+          <a:fontRef idx="minor">
+            <a:schemeClr val="dk1"/>
+          </a:fontRef>
+        </p:style>
+        <p:txBody>
+          <a:bodyPr rtlCol="0" anchor="ctr"/>
+          <a:lstStyle/>
+          <a:p>
+            <a:pPr algn="ctr"/>
+            <a:r>
+              <a:rPr lang="en-US" altLang="ko-KR" sz="900"/>
+              <a:t>ACK</a:t>
+            </a:r>
+          </a:p>
+        </p:txBody>
+      </p:sp>
+      <p:sp>
+        <p:nvSpPr>
+          <p:cNvPr id="39" name="사각형: 둥근 모서리 38">
+            <a:extLst>
+              <a:ext uri="{FF2B5EF4-FFF2-40B4-BE49-F238E27FC236}">
+                <a16:creationId xmlns:a16="http://schemas.microsoft.com/office/drawing/2014/main" id="{86F49B2D-C5B5-4E39-965D-932B517D115F}"/>
+              </a:ext>
+            </a:extLst>
+          </p:cNvPr>
+          <p:cNvSpPr/>
+          <p:nvPr/>
+        </p:nvSpPr>
+        <p:spPr>
+          <a:xfrm>
+            <a:off x="3570491" y="1556079"/>
+            <a:ext cx="947468" cy="239182"/>
+          </a:xfrm>
+          <a:prstGeom prst="roundRect">
+            <a:avLst>
+              <a:gd name="adj" fmla="val 0"/>
+            </a:avLst>
+          </a:prstGeom>
+          <a:noFill/>
+          <a:ln>
+            <a:noFill/>
+          </a:ln>
+        </p:spPr>
+        <p:style>
+          <a:lnRef idx="2">
+            <a:schemeClr val="dk1"/>
+          </a:lnRef>
+          <a:fillRef idx="1">
+            <a:schemeClr val="lt1"/>
+          </a:fillRef>
+          <a:effectRef idx="0">
+            <a:schemeClr val="dk1"/>
+          </a:effectRef>
+          <a:fontRef idx="minor">
+            <a:schemeClr val="dk1"/>
+          </a:fontRef>
+        </p:style>
+        <p:txBody>
+          <a:bodyPr rtlCol="0" anchor="ctr"/>
+          <a:lstStyle/>
+          <a:p>
+            <a:pPr algn="ctr"/>
+            <a:r>
+              <a:rPr lang="en-US" altLang="ko-KR" sz="900"/>
+              <a:t>FIN</a:t>
+            </a:r>
+          </a:p>
+        </p:txBody>
+      </p:sp>
+      <p:sp>
+        <p:nvSpPr>
+          <p:cNvPr id="40" name="사각형: 둥근 모서리 39">
+            <a:extLst>
+              <a:ext uri="{FF2B5EF4-FFF2-40B4-BE49-F238E27FC236}">
+                <a16:creationId xmlns:a16="http://schemas.microsoft.com/office/drawing/2014/main" id="{9A45173B-5819-4094-8ED5-78995F058E23}"/>
+              </a:ext>
+            </a:extLst>
+          </p:cNvPr>
+          <p:cNvSpPr/>
+          <p:nvPr/>
+        </p:nvSpPr>
+        <p:spPr>
+          <a:xfrm>
+            <a:off x="4498993" y="1768496"/>
+            <a:ext cx="947468" cy="239182"/>
+          </a:xfrm>
+          <a:prstGeom prst="roundRect">
+            <a:avLst>
+              <a:gd name="adj" fmla="val 0"/>
+            </a:avLst>
+          </a:prstGeom>
+          <a:noFill/>
+          <a:ln>
+            <a:noFill/>
+          </a:ln>
+        </p:spPr>
+        <p:style>
+          <a:lnRef idx="2">
+            <a:schemeClr val="dk1"/>
+          </a:lnRef>
+          <a:fillRef idx="1">
+            <a:schemeClr val="lt1"/>
+          </a:fillRef>
+          <a:effectRef idx="0">
+            <a:schemeClr val="dk1"/>
+          </a:effectRef>
+          <a:fontRef idx="minor">
+            <a:schemeClr val="dk1"/>
+          </a:fontRef>
+        </p:style>
+        <p:txBody>
+          <a:bodyPr rtlCol="0" anchor="ctr"/>
+          <a:lstStyle/>
+          <a:p>
+            <a:pPr algn="ctr"/>
+            <a:r>
+              <a:rPr lang="en-US" altLang="ko-KR" sz="900"/>
+              <a:t>ACK</a:t>
+            </a:r>
+          </a:p>
+        </p:txBody>
+      </p:sp>
+      <p:sp>
+        <p:nvSpPr>
+          <p:cNvPr id="6" name="왼쪽 중괄호 5">
+            <a:extLst>
+              <a:ext uri="{FF2B5EF4-FFF2-40B4-BE49-F238E27FC236}">
+                <a16:creationId xmlns:a16="http://schemas.microsoft.com/office/drawing/2014/main" id="{D0FE3EA8-E5A2-4E77-919D-D711059FDCC9}"/>
+              </a:ext>
+            </a:extLst>
+          </p:cNvPr>
+          <p:cNvSpPr/>
+          <p:nvPr/>
+        </p:nvSpPr>
+        <p:spPr>
+          <a:xfrm>
+            <a:off x="3273800" y="1816013"/>
+            <a:ext cx="148321" cy="342956"/>
+          </a:xfrm>
+          <a:prstGeom prst="leftBrace">
+            <a:avLst/>
+          </a:prstGeom>
+          <a:ln w="12700">
+            <a:solidFill>
+              <a:schemeClr val="tx1"/>
+            </a:solidFill>
+          </a:ln>
+        </p:spPr>
+        <p:style>
+          <a:lnRef idx="1">
+            <a:schemeClr val="accent1"/>
+          </a:lnRef>
+          <a:fillRef idx="0">
+            <a:schemeClr val="accent1"/>
+          </a:fillRef>
+          <a:effectRef idx="0">
+            <a:schemeClr val="accent1"/>
+          </a:effectRef>
+          <a:fontRef idx="minor">
+            <a:schemeClr val="tx1"/>
+          </a:fontRef>
+        </p:style>
+        <p:txBody>
+          <a:bodyPr rtlCol="0" anchor="ctr"/>
+          <a:lstStyle/>
+          <a:p>
+            <a:pPr algn="ctr"/>
+            <a:endParaRPr lang="ko-KR" altLang="en-US"/>
+          </a:p>
+        </p:txBody>
+      </p:sp>
+      <p:sp>
+        <p:nvSpPr>
+          <p:cNvPr id="41" name="사각형: 둥근 모서리 40">
+            <a:extLst>
+              <a:ext uri="{FF2B5EF4-FFF2-40B4-BE49-F238E27FC236}">
+                <a16:creationId xmlns:a16="http://schemas.microsoft.com/office/drawing/2014/main" id="{DE281927-FE38-47B8-8CD7-4065A09D16C2}"/>
+              </a:ext>
+            </a:extLst>
+          </p:cNvPr>
+          <p:cNvSpPr/>
+          <p:nvPr/>
+        </p:nvSpPr>
+        <p:spPr>
+          <a:xfrm>
+            <a:off x="5591476" y="1989491"/>
+            <a:ext cx="1212772" cy="239182"/>
+          </a:xfrm>
+          <a:prstGeom prst="roundRect">
+            <a:avLst>
+              <a:gd name="adj" fmla="val 0"/>
+            </a:avLst>
+          </a:prstGeom>
+          <a:noFill/>
+          <a:ln>
+            <a:noFill/>
+          </a:ln>
+        </p:spPr>
+        <p:style>
+          <a:lnRef idx="2">
+            <a:schemeClr val="dk1"/>
+          </a:lnRef>
+          <a:fillRef idx="1">
+            <a:schemeClr val="lt1"/>
+          </a:fillRef>
+          <a:effectRef idx="0">
+            <a:schemeClr val="dk1"/>
+          </a:effectRef>
+          <a:fontRef idx="minor">
+            <a:schemeClr val="dk1"/>
+          </a:fontRef>
+        </p:style>
+        <p:txBody>
+          <a:bodyPr rtlCol="0" anchor="ctr"/>
+          <a:lstStyle/>
+          <a:p>
+            <a:pPr algn="ctr"/>
+            <a:r>
+              <a:rPr lang="en-US" altLang="ko-KR" sz="1050"/>
+              <a:t>LAST_ACK</a:t>
+            </a:r>
+          </a:p>
+        </p:txBody>
+      </p:sp>
+      <p:sp>
+        <p:nvSpPr>
+          <p:cNvPr id="42" name="왼쪽 중괄호 41">
+            <a:extLst>
+              <a:ext uri="{FF2B5EF4-FFF2-40B4-BE49-F238E27FC236}">
+                <a16:creationId xmlns:a16="http://schemas.microsoft.com/office/drawing/2014/main" id="{81D2B967-0B7B-4512-BBA8-38835004EB9F}"/>
+              </a:ext>
+            </a:extLst>
+          </p:cNvPr>
+          <p:cNvSpPr/>
+          <p:nvPr/>
+        </p:nvSpPr>
+        <p:spPr>
+          <a:xfrm rot="10800000">
+            <a:off x="5652092" y="1599990"/>
+            <a:ext cx="148341" cy="1023977"/>
+          </a:xfrm>
+          <a:prstGeom prst="leftBrace">
+            <a:avLst/>
+          </a:prstGeom>
+          <a:ln w="12700">
+            <a:solidFill>
+              <a:schemeClr val="tx1"/>
+            </a:solidFill>
+          </a:ln>
+        </p:spPr>
+        <p:style>
+          <a:lnRef idx="1">
+            <a:schemeClr val="accent1"/>
+          </a:lnRef>
+          <a:fillRef idx="0">
+            <a:schemeClr val="accent1"/>
+          </a:fillRef>
+          <a:effectRef idx="0">
+            <a:schemeClr val="accent1"/>
+          </a:effectRef>
+          <a:fontRef idx="minor">
+            <a:schemeClr val="tx1"/>
+          </a:fontRef>
+        </p:style>
+        <p:txBody>
+          <a:bodyPr rtlCol="0" anchor="ctr"/>
+          <a:lstStyle/>
+          <a:p>
+            <a:pPr algn="ctr"/>
+            <a:endParaRPr lang="ko-KR" altLang="en-US"/>
+          </a:p>
+        </p:txBody>
+      </p:sp>
+      <p:cxnSp>
+        <p:nvCxnSpPr>
+          <p:cNvPr id="43" name="직선 화살표 연결선 42">
+            <a:extLst>
+              <a:ext uri="{FF2B5EF4-FFF2-40B4-BE49-F238E27FC236}">
+                <a16:creationId xmlns:a16="http://schemas.microsoft.com/office/drawing/2014/main" id="{BBA3C2B7-D418-40CA-BC9C-CC50AE04EC9F}"/>
+              </a:ext>
+            </a:extLst>
+          </p:cNvPr>
+          <p:cNvCxnSpPr>
+            <a:cxnSpLocks/>
+          </p:cNvCxnSpPr>
+          <p:nvPr/>
+        </p:nvCxnSpPr>
+        <p:spPr>
+          <a:xfrm flipH="1">
+            <a:off x="3422145" y="2499742"/>
+            <a:ext cx="2229976" cy="216024"/>
+          </a:xfrm>
+          <a:prstGeom prst="straightConnector1">
+            <a:avLst/>
+          </a:prstGeom>
+          <a:ln w="12700">
+            <a:headEnd type="none" w="med" len="med"/>
+            <a:tailEnd type="arrow" w="med" len="med"/>
+          </a:ln>
+        </p:spPr>
+        <p:style>
+          <a:lnRef idx="1">
+            <a:schemeClr val="dk1"/>
+          </a:lnRef>
+          <a:fillRef idx="0">
+            <a:schemeClr val="dk1"/>
+          </a:fillRef>
+          <a:effectRef idx="0">
+            <a:schemeClr val="dk1"/>
+          </a:effectRef>
+          <a:fontRef idx="minor">
+            <a:schemeClr val="tx1"/>
+          </a:fontRef>
+        </p:style>
+      </p:cxnSp>
+      <p:sp>
+        <p:nvSpPr>
+          <p:cNvPr id="44" name="사각형: 둥근 모서리 43">
+            <a:extLst>
+              <a:ext uri="{FF2B5EF4-FFF2-40B4-BE49-F238E27FC236}">
+                <a16:creationId xmlns:a16="http://schemas.microsoft.com/office/drawing/2014/main" id="{8748D167-747B-4635-879A-F0C84A07F653}"/>
+              </a:ext>
+            </a:extLst>
+          </p:cNvPr>
+          <p:cNvSpPr/>
+          <p:nvPr/>
+        </p:nvSpPr>
+        <p:spPr>
+          <a:xfrm>
+            <a:off x="3570491" y="2428202"/>
+            <a:ext cx="947468" cy="239182"/>
+          </a:xfrm>
+          <a:prstGeom prst="roundRect">
+            <a:avLst>
+              <a:gd name="adj" fmla="val 0"/>
+            </a:avLst>
+          </a:prstGeom>
+          <a:noFill/>
+          <a:ln>
+            <a:noFill/>
+          </a:ln>
+        </p:spPr>
+        <p:style>
+          <a:lnRef idx="2">
+            <a:schemeClr val="dk1"/>
+          </a:lnRef>
+          <a:fillRef idx="1">
+            <a:schemeClr val="lt1"/>
+          </a:fillRef>
+          <a:effectRef idx="0">
+            <a:schemeClr val="dk1"/>
+          </a:effectRef>
+          <a:fontRef idx="minor">
+            <a:schemeClr val="dk1"/>
+          </a:fontRef>
+        </p:style>
+        <p:txBody>
+          <a:bodyPr rtlCol="0" anchor="ctr"/>
+          <a:lstStyle/>
+          <a:p>
+            <a:pPr algn="ctr"/>
+            <a:r>
+              <a:rPr lang="en-US" altLang="ko-KR" sz="900"/>
+              <a:t>RST</a:t>
+            </a:r>
+          </a:p>
+        </p:txBody>
+      </p:sp>
+      <p:sp>
+        <p:nvSpPr>
+          <p:cNvPr id="25" name="왼쪽 중괄호 24">
+            <a:extLst>
+              <a:ext uri="{FF2B5EF4-FFF2-40B4-BE49-F238E27FC236}">
+                <a16:creationId xmlns:a16="http://schemas.microsoft.com/office/drawing/2014/main" id="{C447820F-463B-4BFE-8D80-C3A63B5F7103}"/>
+              </a:ext>
+            </a:extLst>
+          </p:cNvPr>
+          <p:cNvSpPr/>
+          <p:nvPr/>
+        </p:nvSpPr>
+        <p:spPr>
+          <a:xfrm>
+            <a:off x="3273801" y="2287979"/>
+            <a:ext cx="148320" cy="435036"/>
+          </a:xfrm>
+          <a:prstGeom prst="leftBrace">
+            <a:avLst/>
+          </a:prstGeom>
+          <a:ln w="12700">
+            <a:solidFill>
+              <a:schemeClr val="tx1"/>
+            </a:solidFill>
+          </a:ln>
+        </p:spPr>
+        <p:style>
+          <a:lnRef idx="1">
+            <a:schemeClr val="accent1"/>
+          </a:lnRef>
+          <a:fillRef idx="0">
+            <a:schemeClr val="accent1"/>
+          </a:fillRef>
+          <a:effectRef idx="0">
+            <a:schemeClr val="accent1"/>
+          </a:effectRef>
+          <a:fontRef idx="minor">
+            <a:schemeClr val="tx1"/>
+          </a:fontRef>
+        </p:style>
+        <p:txBody>
+          <a:bodyPr rtlCol="0" anchor="ctr"/>
+          <a:lstStyle/>
+          <a:p>
+            <a:pPr algn="ctr"/>
+            <a:endParaRPr lang="ko-KR" altLang="en-US"/>
+          </a:p>
+        </p:txBody>
+      </p:sp>
+      <p:sp>
+        <p:nvSpPr>
+          <p:cNvPr id="28" name="사각형: 둥근 모서리 27">
+            <a:extLst>
+              <a:ext uri="{FF2B5EF4-FFF2-40B4-BE49-F238E27FC236}">
+                <a16:creationId xmlns:a16="http://schemas.microsoft.com/office/drawing/2014/main" id="{F1E3D345-5F80-489A-8B1E-65C13D08C63B}"/>
+              </a:ext>
+            </a:extLst>
+          </p:cNvPr>
+          <p:cNvSpPr/>
+          <p:nvPr/>
+        </p:nvSpPr>
+        <p:spPr>
+          <a:xfrm>
+            <a:off x="2272348" y="2384785"/>
+            <a:ext cx="1291540" cy="239182"/>
+          </a:xfrm>
+          <a:prstGeom prst="roundRect">
+            <a:avLst>
+              <a:gd name="adj" fmla="val 0"/>
+            </a:avLst>
+          </a:prstGeom>
+          <a:noFill/>
+          <a:ln>
+            <a:noFill/>
+          </a:ln>
+        </p:spPr>
+        <p:style>
+          <a:lnRef idx="2">
+            <a:schemeClr val="dk1"/>
+          </a:lnRef>
+          <a:fillRef idx="1">
+            <a:schemeClr val="lt1"/>
+          </a:fillRef>
+          <a:effectRef idx="0">
+            <a:schemeClr val="dk1"/>
+          </a:effectRef>
+          <a:fontRef idx="minor">
+            <a:schemeClr val="dk1"/>
+          </a:fontRef>
+        </p:style>
+        <p:txBody>
+          <a:bodyPr rtlCol="0" anchor="ctr"/>
+          <a:lstStyle/>
+          <a:p>
+            <a:pPr algn="ctr"/>
+            <a:r>
+              <a:rPr lang="en-US" altLang="ko-KR" sz="1050"/>
+              <a:t>SYN-SENT</a:t>
+            </a:r>
+          </a:p>
+        </p:txBody>
+      </p:sp>
+    </p:spTree>
+    <p:extLst>
+      <p:ext uri="{BB962C8B-B14F-4D97-AF65-F5344CB8AC3E}">
+        <p14:creationId xmlns:p14="http://schemas.microsoft.com/office/powerpoint/2010/main" val="2781809379"/>
+      </p:ext>
+    </p:extLst>
+  </p:cSld>
+  <p:clrMapOvr>
+    <a:masterClrMapping/>
+  </p:clrMapOvr>
+</p:sld>
+</file>
+
+<file path=ppt/slides/slide7.xml><?xml version="1.0" encoding="utf-8"?>
+<p:sld xmlns:a="http://schemas.openxmlformats.org/drawingml/2006/main" xmlns:r="http://schemas.openxmlformats.org/officeDocument/2006/relationships" xmlns:p="http://schemas.openxmlformats.org/presentationml/2006/main">
+  <p:cSld>
+    <p:spTree>
+      <p:nvGrpSpPr>
+        <p:cNvPr id="1" name=""/>
+        <p:cNvGrpSpPr/>
+        <p:nvPr/>
+      </p:nvGrpSpPr>
+      <p:grpSpPr>
+        <a:xfrm>
+          <a:off x="0" y="0"/>
+          <a:ext cx="0" cy="0"/>
+          <a:chOff x="0" y="0"/>
+          <a:chExt cx="0" cy="0"/>
+        </a:xfrm>
+      </p:grpSpPr>
+      <p:sp>
+        <p:nvSpPr>
           <p:cNvPr id="2" name="제목 1"/>
           <p:cNvSpPr>
             <a:spLocks noGrp="1"/>
@@ -8366,7 +11394,7 @@
 </p:sld>
 </file>
 
-<file path=ppt/slides/slide6.xml><?xml version="1.0" encoding="utf-8"?>
+<file path=ppt/slides/slide8.xml><?xml version="1.0" encoding="utf-8"?>
 <p:sld xmlns:a="http://schemas.openxmlformats.org/drawingml/2006/main" xmlns:r="http://schemas.openxmlformats.org/officeDocument/2006/relationships" xmlns:p="http://schemas.openxmlformats.org/presentationml/2006/main">
   <p:cSld>
     <p:spTree>
